--- a/Presentation/MatrixLite.pptx
+++ b/Presentation/MatrixLite.pptx
@@ -10,6 +10,8 @@
     <p:sldId id="258" r:id="rId4"/>
     <p:sldId id="259" r:id="rId5"/>
     <p:sldId id="260" r:id="rId6"/>
+    <p:sldId id="261" r:id="rId7"/>
+    <p:sldId id="262" r:id="rId8"/>
   </p:sldIdLst>
   <p:sldSz cx="9144000" cy="6858000" type="screen4x3"/>
   <p:notesSz cx="6858000" cy="9144000"/>
@@ -4319,7 +4321,7 @@
       </p:pic>
       <p:pic>
         <p:nvPicPr>
-          <p:cNvPr id="4101" name="Picture 5" descr="C:\Users\karim.luy\He-ARC\INF2dlm-b\Projet P2 - Java\TurboSpin\Presentation\3Drotations.png"/>
+          <p:cNvPr id="4101" name="Picture 5"/>
           <p:cNvPicPr>
             <a:picLocks noChangeAspect="1" noChangeArrowheads="1"/>
           </p:cNvPicPr>
@@ -4333,15 +4335,14 @@
               </a:ext>
             </a:extLst>
           </a:blip>
-          <a:srcRect/>
           <a:stretch>
             <a:fillRect/>
           </a:stretch>
         </p:blipFill>
         <p:spPr bwMode="auto">
           <a:xfrm>
-            <a:off x="4211960" y="2162069"/>
-            <a:ext cx="5400749" cy="3714813"/>
+            <a:off x="4499992" y="2196486"/>
+            <a:ext cx="5400749" cy="3714079"/>
           </a:xfrm>
           <a:prstGeom prst="rect">
             <a:avLst/>
@@ -4362,6 +4363,368 @@
     <p:extLst>
       <p:ext uri="{BB962C8B-B14F-4D97-AF65-F5344CB8AC3E}">
         <p14:creationId xmlns:p14="http://schemas.microsoft.com/office/powerpoint/2010/main" val="3354258155"/>
+      </p:ext>
+    </p:extLst>
+  </p:cSld>
+  <p:clrMapOvr>
+    <a:masterClrMapping/>
+  </p:clrMapOvr>
+  <p:timing>
+    <p:tnLst>
+      <p:par>
+        <p:cTn id="1" dur="indefinite" restart="never" nodeType="tmRoot"/>
+      </p:par>
+    </p:tnLst>
+  </p:timing>
+</p:sld>
+</file>
+
+<file path=ppt/slides/slide6.xml><?xml version="1.0" encoding="utf-8"?>
+<p:sld xmlns:a="http://schemas.openxmlformats.org/drawingml/2006/main" xmlns:r="http://schemas.openxmlformats.org/officeDocument/2006/relationships" xmlns:p="http://schemas.openxmlformats.org/presentationml/2006/main">
+  <p:cSld>
+    <p:spTree>
+      <p:nvGrpSpPr>
+        <p:cNvPr id="1" name=""/>
+        <p:cNvGrpSpPr/>
+        <p:nvPr/>
+      </p:nvGrpSpPr>
+      <p:grpSpPr>
+        <a:xfrm>
+          <a:off x="0" y="0"/>
+          <a:ext cx="0" cy="0"/>
+          <a:chOff x="0" y="0"/>
+          <a:chExt cx="0" cy="0"/>
+        </a:xfrm>
+      </p:grpSpPr>
+      <p:sp>
+        <p:nvSpPr>
+          <p:cNvPr id="5" name="Titre 4"/>
+          <p:cNvSpPr>
+            <a:spLocks noGrp="1"/>
+          </p:cNvSpPr>
+          <p:nvPr>
+            <p:ph type="title"/>
+          </p:nvPr>
+        </p:nvSpPr>
+        <p:spPr/>
+        <p:txBody>
+          <a:bodyPr/>
+          <a:lstStyle/>
+          <a:p>
+            <a:r>
+              <a:rPr lang="en-GB" dirty="0" smtClean="0">
+                <a:latin typeface="Berlin Sans FB" panose="020E0602020502020306" pitchFamily="34" charset="0"/>
+              </a:rPr>
+              <a:t>Les matrices </a:t>
+            </a:r>
+            <a:r>
+              <a:rPr lang="en-GB" dirty="0" err="1" smtClean="0">
+                <a:latin typeface="Berlin Sans FB" panose="020E0602020502020306" pitchFamily="34" charset="0"/>
+              </a:rPr>
+              <a:t>en</a:t>
+            </a:r>
+            <a:r>
+              <a:rPr lang="en-GB" dirty="0" smtClean="0">
+                <a:latin typeface="Berlin Sans FB" panose="020E0602020502020306" pitchFamily="34" charset="0"/>
+              </a:rPr>
+              <a:t> 3D</a:t>
+            </a:r>
+            <a:endParaRPr lang="fr-CH" dirty="0">
+              <a:latin typeface="Berlin Sans FB" panose="020E0602020502020306" pitchFamily="34" charset="0"/>
+            </a:endParaRPr>
+          </a:p>
+        </p:txBody>
+      </p:sp>
+      <p:sp>
+        <p:nvSpPr>
+          <p:cNvPr id="6" name="Espace réservé du contenu 5"/>
+          <p:cNvSpPr>
+            <a:spLocks noGrp="1"/>
+          </p:cNvSpPr>
+          <p:nvPr>
+            <p:ph idx="1"/>
+          </p:nvPr>
+        </p:nvSpPr>
+        <p:spPr/>
+        <p:txBody>
+          <a:bodyPr/>
+          <a:lstStyle/>
+          <a:p>
+            <a:r>
+              <a:rPr lang="en-GB" dirty="0" err="1" smtClean="0"/>
+              <a:t>Une</a:t>
+            </a:r>
+            <a:r>
+              <a:rPr lang="en-GB" dirty="0" smtClean="0"/>
+              <a:t> par axe, et on </a:t>
+            </a:r>
+            <a:r>
+              <a:rPr lang="en-GB" dirty="0" err="1" smtClean="0"/>
+              <a:t>tourne</a:t>
+            </a:r>
+            <a:r>
+              <a:rPr lang="en-GB" dirty="0" smtClean="0"/>
+              <a:t> </a:t>
+            </a:r>
+            <a:r>
+              <a:rPr lang="en-GB" dirty="0" err="1" smtClean="0"/>
+              <a:t>dans</a:t>
+            </a:r>
+            <a:r>
+              <a:rPr lang="en-GB" dirty="0" smtClean="0"/>
+              <a:t> le plan don’t </a:t>
+            </a:r>
+            <a:r>
+              <a:rPr lang="en-GB" dirty="0" err="1" smtClean="0"/>
+              <a:t>il</a:t>
+            </a:r>
+            <a:r>
+              <a:rPr lang="en-GB" dirty="0" smtClean="0"/>
+              <a:t> </a:t>
+            </a:r>
+            <a:r>
+              <a:rPr lang="en-GB" dirty="0" err="1" smtClean="0"/>
+              <a:t>est</a:t>
+            </a:r>
+            <a:r>
+              <a:rPr lang="en-GB" dirty="0" smtClean="0"/>
+              <a:t> </a:t>
+            </a:r>
+            <a:r>
+              <a:rPr lang="en-GB" dirty="0" err="1" smtClean="0"/>
+              <a:t>normale</a:t>
+            </a:r>
+            <a:endParaRPr lang="en-GB" dirty="0" smtClean="0"/>
+          </a:p>
+          <a:p>
+            <a:endParaRPr lang="en-GB" dirty="0"/>
+          </a:p>
+          <a:p>
+            <a:endParaRPr lang="en-GB" dirty="0" smtClean="0"/>
+          </a:p>
+          <a:p>
+            <a:r>
+              <a:rPr lang="en-GB" dirty="0" smtClean="0"/>
+              <a:t>On </a:t>
+            </a:r>
+            <a:r>
+              <a:rPr lang="en-GB" dirty="0" err="1" smtClean="0"/>
+              <a:t>peut</a:t>
+            </a:r>
+            <a:r>
+              <a:rPr lang="en-GB" dirty="0" smtClean="0"/>
+              <a:t> les </a:t>
+            </a:r>
+            <a:r>
+              <a:rPr lang="en-GB" dirty="0" err="1" smtClean="0"/>
+              <a:t>multipli</a:t>
+            </a:r>
+            <a:r>
+              <a:rPr lang="fr-CH" dirty="0" smtClean="0"/>
+              <a:t>er</a:t>
+            </a:r>
+            <a:r>
+              <a:rPr lang="en-GB" dirty="0" smtClean="0"/>
+              <a:t> ensemble pour </a:t>
+            </a:r>
+            <a:r>
+              <a:rPr lang="en-GB" dirty="0" err="1" smtClean="0"/>
+              <a:t>obtenir</a:t>
+            </a:r>
+            <a:r>
+              <a:rPr lang="en-GB" dirty="0" smtClean="0"/>
+              <a:t> </a:t>
+            </a:r>
+            <a:r>
+              <a:rPr lang="en-GB" dirty="0" err="1" smtClean="0"/>
+              <a:t>une</a:t>
+            </a:r>
+            <a:r>
+              <a:rPr lang="en-GB" dirty="0" smtClean="0"/>
+              <a:t> </a:t>
+            </a:r>
+            <a:r>
+              <a:rPr lang="en-GB" dirty="0" err="1" smtClean="0"/>
+              <a:t>matrice</a:t>
+            </a:r>
+            <a:r>
+              <a:rPr lang="en-GB" dirty="0" smtClean="0"/>
+              <a:t> unique</a:t>
+            </a:r>
+          </a:p>
+          <a:p>
+            <a:endParaRPr lang="en-GB" dirty="0" smtClean="0"/>
+          </a:p>
+        </p:txBody>
+      </p:sp>
+      <p:pic>
+        <p:nvPicPr>
+          <p:cNvPr id="1026" name="Picture 2"/>
+          <p:cNvPicPr>
+            <a:picLocks noChangeAspect="1" noChangeArrowheads="1"/>
+          </p:cNvPicPr>
+          <p:nvPr/>
+        </p:nvPicPr>
+        <p:blipFill>
+          <a:blip r:embed="rId2">
+            <a:extLst>
+              <a:ext uri="{28A0092B-C50C-407E-A947-70E740481C1C}">
+                <a14:useLocalDpi xmlns:a14="http://schemas.microsoft.com/office/drawing/2010/main" val="0"/>
+              </a:ext>
+            </a:extLst>
+          </a:blip>
+          <a:stretch>
+            <a:fillRect/>
+          </a:stretch>
+        </p:blipFill>
+        <p:spPr bwMode="auto">
+          <a:xfrm>
+            <a:off x="899592" y="2389634"/>
+            <a:ext cx="7619999" cy="895350"/>
+          </a:xfrm>
+          <a:prstGeom prst="rect">
+            <a:avLst/>
+          </a:prstGeom>
+          <a:noFill/>
+          <a:extLst>
+            <a:ext uri="{909E8E84-426E-40DD-AFC4-6F175D3DCCD1}">
+              <a14:hiddenFill xmlns:a14="http://schemas.microsoft.com/office/drawing/2010/main">
+                <a:solidFill>
+                  <a:srgbClr val="FFFFFF"/>
+                </a:solidFill>
+              </a14:hiddenFill>
+            </a:ext>
+          </a:extLst>
+        </p:spPr>
+      </p:pic>
+      <p:pic>
+        <p:nvPicPr>
+          <p:cNvPr id="1027" name="Picture 3" descr="C:\Users\karim.luy\He-ARC\INF2dlm-b\Projet P2 - Java\TurboSpin\Presentation\rotation_multiplication_math.png"/>
+          <p:cNvPicPr>
+            <a:picLocks noChangeAspect="1" noChangeArrowheads="1"/>
+          </p:cNvPicPr>
+          <p:nvPr/>
+        </p:nvPicPr>
+        <p:blipFill>
+          <a:blip r:embed="rId3">
+            <a:extLst>
+              <a:ext uri="{28A0092B-C50C-407E-A947-70E740481C1C}">
+                <a14:useLocalDpi xmlns:a14="http://schemas.microsoft.com/office/drawing/2010/main" val="0"/>
+              </a:ext>
+            </a:extLst>
+          </a:blip>
+          <a:srcRect/>
+          <a:stretch>
+            <a:fillRect/>
+          </a:stretch>
+        </p:blipFill>
+        <p:spPr bwMode="auto">
+          <a:xfrm>
+            <a:off x="3052762" y="3933056"/>
+            <a:ext cx="2819400" cy="584200"/>
+          </a:xfrm>
+          <a:prstGeom prst="rect">
+            <a:avLst/>
+          </a:prstGeom>
+          <a:noFill/>
+          <a:extLst>
+            <a:ext uri="{909E8E84-426E-40DD-AFC4-6F175D3DCCD1}">
+              <a14:hiddenFill xmlns:a14="http://schemas.microsoft.com/office/drawing/2010/main">
+                <a:solidFill>
+                  <a:srgbClr val="FFFFFF"/>
+                </a:solidFill>
+              </a14:hiddenFill>
+            </a:ext>
+          </a:extLst>
+        </p:spPr>
+      </p:pic>
+    </p:spTree>
+    <p:extLst>
+      <p:ext uri="{BB962C8B-B14F-4D97-AF65-F5344CB8AC3E}">
+        <p14:creationId xmlns:p14="http://schemas.microsoft.com/office/powerpoint/2010/main" val="3916878971"/>
+      </p:ext>
+    </p:extLst>
+  </p:cSld>
+  <p:clrMapOvr>
+    <a:masterClrMapping/>
+  </p:clrMapOvr>
+  <p:timing>
+    <p:tnLst>
+      <p:par>
+        <p:cTn id="1" dur="indefinite" restart="never" nodeType="tmRoot"/>
+      </p:par>
+    </p:tnLst>
+  </p:timing>
+</p:sld>
+</file>
+
+<file path=ppt/slides/slide7.xml><?xml version="1.0" encoding="utf-8"?>
+<p:sld xmlns:a="http://schemas.openxmlformats.org/drawingml/2006/main" xmlns:r="http://schemas.openxmlformats.org/officeDocument/2006/relationships" xmlns:p="http://schemas.openxmlformats.org/presentationml/2006/main">
+  <p:cSld>
+    <p:spTree>
+      <p:nvGrpSpPr>
+        <p:cNvPr id="1" name=""/>
+        <p:cNvGrpSpPr/>
+        <p:nvPr/>
+      </p:nvGrpSpPr>
+      <p:grpSpPr>
+        <a:xfrm>
+          <a:off x="0" y="0"/>
+          <a:ext cx="0" cy="0"/>
+          <a:chOff x="0" y="0"/>
+          <a:chExt cx="0" cy="0"/>
+        </a:xfrm>
+      </p:grpSpPr>
+      <p:sp>
+        <p:nvSpPr>
+          <p:cNvPr id="5" name="Titre 4"/>
+          <p:cNvSpPr>
+            <a:spLocks noGrp="1"/>
+          </p:cNvSpPr>
+          <p:nvPr>
+            <p:ph type="title"/>
+          </p:nvPr>
+        </p:nvSpPr>
+        <p:spPr/>
+        <p:txBody>
+          <a:bodyPr/>
+          <a:lstStyle/>
+          <a:p>
+            <a:r>
+              <a:rPr lang="en-GB" dirty="0" err="1" smtClean="0">
+                <a:latin typeface="Berlin Sans FB" panose="020E0602020502020306" pitchFamily="34" charset="0"/>
+              </a:rPr>
+              <a:t>Simpl</a:t>
+            </a:r>
+            <a:endParaRPr lang="fr-CH" dirty="0">
+              <a:latin typeface="Berlin Sans FB" panose="020E0602020502020306" pitchFamily="34" charset="0"/>
+            </a:endParaRPr>
+          </a:p>
+        </p:txBody>
+      </p:sp>
+      <p:sp>
+        <p:nvSpPr>
+          <p:cNvPr id="6" name="Espace réservé du contenu 5"/>
+          <p:cNvSpPr>
+            <a:spLocks noGrp="1"/>
+          </p:cNvSpPr>
+          <p:nvPr>
+            <p:ph idx="1"/>
+          </p:nvPr>
+        </p:nvSpPr>
+        <p:spPr/>
+        <p:txBody>
+          <a:bodyPr/>
+          <a:lstStyle/>
+          <a:p>
+            <a:endParaRPr lang="fr-CH"/>
+          </a:p>
+        </p:txBody>
+      </p:sp>
+    </p:spTree>
+    <p:extLst>
+      <p:ext uri="{BB962C8B-B14F-4D97-AF65-F5344CB8AC3E}">
+        <p14:creationId xmlns:p14="http://schemas.microsoft.com/office/powerpoint/2010/main" val="1058164672"/>
       </p:ext>
     </p:extLst>
   </p:cSld>

--- a/Presentation/MatrixLite.pptx
+++ b/Presentation/MatrixLite.pptx
@@ -11,7 +11,10 @@
     <p:sldId id="259" r:id="rId5"/>
     <p:sldId id="260" r:id="rId6"/>
     <p:sldId id="261" r:id="rId7"/>
-    <p:sldId id="262" r:id="rId8"/>
+    <p:sldId id="263" r:id="rId8"/>
+    <p:sldId id="262" r:id="rId9"/>
+    <p:sldId id="264" r:id="rId10"/>
+    <p:sldId id="265" r:id="rId11"/>
   </p:sldIdLst>
   <p:sldSz cx="9144000" cy="6858000" type="screen4x3"/>
   <p:notesSz cx="6858000" cy="9144000"/>
@@ -3489,6 +3492,43 @@
 </p:sld>
 </file>
 
+<file path=ppt/slides/slide10.xml><?xml version="1.0" encoding="utf-8"?>
+<p:sld xmlns:a="http://schemas.openxmlformats.org/drawingml/2006/main" xmlns:r="http://schemas.openxmlformats.org/officeDocument/2006/relationships" xmlns:p="http://schemas.openxmlformats.org/presentationml/2006/main">
+  <p:cSld>
+    <p:spTree>
+      <p:nvGrpSpPr>
+        <p:cNvPr id="1" name=""/>
+        <p:cNvGrpSpPr/>
+        <p:nvPr/>
+      </p:nvGrpSpPr>
+      <p:grpSpPr>
+        <a:xfrm>
+          <a:off x="0" y="0"/>
+          <a:ext cx="0" cy="0"/>
+          <a:chOff x="0" y="0"/>
+          <a:chExt cx="0" cy="0"/>
+        </a:xfrm>
+      </p:grpSpPr>
+    </p:spTree>
+    <p:extLst>
+      <p:ext uri="{BB962C8B-B14F-4D97-AF65-F5344CB8AC3E}">
+        <p14:creationId xmlns:p14="http://schemas.microsoft.com/office/powerpoint/2010/main" val="2688325040"/>
+      </p:ext>
+    </p:extLst>
+  </p:cSld>
+  <p:clrMapOvr>
+    <a:masterClrMapping/>
+  </p:clrMapOvr>
+  <p:timing>
+    <p:tnLst>
+      <p:par>
+        <p:cTn id="1" dur="indefinite" restart="never" nodeType="tmRoot"/>
+      </p:par>
+    </p:tnLst>
+  </p:timing>
+</p:sld>
+</file>
+
 <file path=ppt/slides/slide2.xml><?xml version="1.0" encoding="utf-8"?>
 <p:sld xmlns:a="http://schemas.openxmlformats.org/drawingml/2006/main" xmlns:r="http://schemas.openxmlformats.org/officeDocument/2006/relationships" xmlns:p="http://schemas.openxmlformats.org/presentationml/2006/main">
   <p:cSld>
@@ -4503,6 +4543,12 @@
             <a:endParaRPr lang="en-GB" dirty="0" smtClean="0"/>
           </a:p>
           <a:p>
+            <a:endParaRPr lang="en-GB" dirty="0" smtClean="0"/>
+          </a:p>
+          <a:p>
+            <a:endParaRPr lang="en-GB" dirty="0"/>
+          </a:p>
+          <a:p>
             <a:r>
               <a:rPr lang="en-GB" dirty="0" smtClean="0"/>
               <a:t>On </a:t>
@@ -4579,7 +4625,7 @@
         </p:blipFill>
         <p:spPr bwMode="auto">
           <a:xfrm>
-            <a:off x="899592" y="2389634"/>
+            <a:off x="899592" y="2852936"/>
             <a:ext cx="7619999" cy="895350"/>
           </a:xfrm>
           <a:prstGeom prst="rect">
@@ -4620,7 +4666,7 @@
         </p:blipFill>
         <p:spPr bwMode="auto">
           <a:xfrm>
-            <a:off x="3052762" y="3933056"/>
+            <a:off x="3052762" y="5365080"/>
             <a:ext cx="2819400" cy="584200"/>
           </a:xfrm>
           <a:prstGeom prst="rect">
@@ -4675,6 +4721,84 @@
           <a:chExt cx="0" cy="0"/>
         </a:xfrm>
       </p:grpSpPr>
+      <p:pic>
+        <p:nvPicPr>
+          <p:cNvPr id="7" name="Picture 2" descr="C:\Users\karim.luy\He-ARC\INF2dlm-b\Projet P2 - Java\TurboSpin\Presentation\matrixrotated.png"/>
+          <p:cNvPicPr>
+            <a:picLocks noChangeAspect="1" noChangeArrowheads="1"/>
+          </p:cNvPicPr>
+          <p:nvPr/>
+        </p:nvPicPr>
+        <p:blipFill>
+          <a:blip r:embed="rId2">
+            <a:extLst>
+              <a:ext uri="{28A0092B-C50C-407E-A947-70E740481C1C}">
+                <a14:useLocalDpi xmlns:a14="http://schemas.microsoft.com/office/drawing/2010/main" val="0"/>
+              </a:ext>
+            </a:extLst>
+          </a:blip>
+          <a:srcRect/>
+          <a:stretch>
+            <a:fillRect/>
+          </a:stretch>
+        </p:blipFill>
+        <p:spPr bwMode="auto">
+          <a:xfrm>
+            <a:off x="323528" y="548680"/>
+            <a:ext cx="8556800" cy="5885648"/>
+          </a:xfrm>
+          <a:prstGeom prst="rect">
+            <a:avLst/>
+          </a:prstGeom>
+          <a:noFill/>
+          <a:extLst>
+            <a:ext uri="{909E8E84-426E-40DD-AFC4-6F175D3DCCD1}">
+              <a14:hiddenFill xmlns:a14="http://schemas.microsoft.com/office/drawing/2010/main">
+                <a:solidFill>
+                  <a:srgbClr val="FFFFFF"/>
+                </a:solidFill>
+              </a14:hiddenFill>
+            </a:ext>
+          </a:extLst>
+        </p:spPr>
+      </p:pic>
+    </p:spTree>
+    <p:extLst>
+      <p:ext uri="{BB962C8B-B14F-4D97-AF65-F5344CB8AC3E}">
+        <p14:creationId xmlns:p14="http://schemas.microsoft.com/office/powerpoint/2010/main" val="1290694680"/>
+      </p:ext>
+    </p:extLst>
+  </p:cSld>
+  <p:clrMapOvr>
+    <a:masterClrMapping/>
+  </p:clrMapOvr>
+  <p:timing>
+    <p:tnLst>
+      <p:par>
+        <p:cTn id="1" dur="indefinite" restart="never" nodeType="tmRoot"/>
+      </p:par>
+    </p:tnLst>
+  </p:timing>
+</p:sld>
+</file>
+
+<file path=ppt/slides/slide8.xml><?xml version="1.0" encoding="utf-8"?>
+<p:sld xmlns:a="http://schemas.openxmlformats.org/drawingml/2006/main" xmlns:r="http://schemas.openxmlformats.org/officeDocument/2006/relationships" xmlns:p="http://schemas.openxmlformats.org/presentationml/2006/main">
+  <p:cSld>
+    <p:spTree>
+      <p:nvGrpSpPr>
+        <p:cNvPr id="1" name=""/>
+        <p:cNvGrpSpPr/>
+        <p:nvPr/>
+      </p:nvGrpSpPr>
+      <p:grpSpPr>
+        <a:xfrm>
+          <a:off x="0" y="0"/>
+          <a:ext cx="0" cy="0"/>
+          <a:chOff x="0" y="0"/>
+          <a:chExt cx="0" cy="0"/>
+        </a:xfrm>
+      </p:grpSpPr>
       <p:sp>
         <p:nvSpPr>
           <p:cNvPr id="5" name="Titre 4"/>
@@ -4694,7 +4818,13 @@
               <a:rPr lang="en-GB" dirty="0" err="1" smtClean="0">
                 <a:latin typeface="Berlin Sans FB" panose="020E0602020502020306" pitchFamily="34" charset="0"/>
               </a:rPr>
-              <a:t>Simpl</a:t>
+              <a:t>Nombres</a:t>
+            </a:r>
+            <a:r>
+              <a:rPr lang="en-GB" dirty="0" smtClean="0">
+                <a:latin typeface="Berlin Sans FB" panose="020E0602020502020306" pitchFamily="34" charset="0"/>
+              </a:rPr>
+              <a:t> Complexes</a:t>
             </a:r>
             <a:endParaRPr lang="fr-CH" dirty="0">
               <a:latin typeface="Berlin Sans FB" panose="020E0602020502020306" pitchFamily="34" charset="0"/>
@@ -4709,15 +4839,246 @@
             <a:spLocks noGrp="1"/>
           </p:cNvSpPr>
           <p:nvPr>
-            <p:ph idx="1"/>
-          </p:nvPr>
-        </p:nvSpPr>
-        <p:spPr/>
-        <p:txBody>
-          <a:bodyPr/>
-          <a:lstStyle/>
-          <a:p>
-            <a:endParaRPr lang="fr-CH"/>
+            <p:ph sz="half" idx="2"/>
+          </p:nvPr>
+        </p:nvSpPr>
+        <p:spPr>
+          <a:xfrm>
+            <a:off x="3851920" y="1600200"/>
+            <a:ext cx="4834880" cy="4525963"/>
+          </a:xfrm>
+        </p:spPr>
+        <p:txBody>
+          <a:bodyPr/>
+          <a:lstStyle/>
+          <a:p>
+            <a:r>
+              <a:rPr lang="en-GB" dirty="0" smtClean="0"/>
+              <a:t>William Rowan Hamilton (1843) et </a:t>
+            </a:r>
+            <a:r>
+              <a:rPr lang="en-GB" dirty="0" err="1" smtClean="0"/>
+              <a:t>sa</a:t>
+            </a:r>
+            <a:r>
+              <a:rPr lang="en-GB" dirty="0" smtClean="0"/>
+              <a:t> solution</a:t>
+            </a:r>
+            <a:endParaRPr lang="fr-CH" dirty="0"/>
+          </a:p>
+        </p:txBody>
+      </p:sp>
+      <p:sp>
+        <p:nvSpPr>
+          <p:cNvPr id="2" name="Espace réservé du contenu 1"/>
+          <p:cNvSpPr>
+            <a:spLocks noGrp="1"/>
+          </p:cNvSpPr>
+          <p:nvPr>
+            <p:ph sz="quarter" idx="13"/>
+          </p:nvPr>
+        </p:nvSpPr>
+        <p:spPr/>
+        <p:txBody>
+          <a:bodyPr/>
+          <a:lstStyle/>
+          <a:p>
+            <a:r>
+              <a:rPr lang="en-GB" dirty="0" err="1" smtClean="0"/>
+              <a:t>Rapelle</a:t>
+            </a:r>
+            <a:endParaRPr lang="en-GB" dirty="0"/>
+          </a:p>
+        </p:txBody>
+      </p:sp>
+      <p:pic>
+        <p:nvPicPr>
+          <p:cNvPr id="2050" name="Picture 2"/>
+          <p:cNvPicPr>
+            <a:picLocks noChangeAspect="1" noChangeArrowheads="1"/>
+          </p:cNvPicPr>
+          <p:nvPr/>
+        </p:nvPicPr>
+        <p:blipFill>
+          <a:blip r:embed="rId2">
+            <a:extLst>
+              <a:ext uri="{28A0092B-C50C-407E-A947-70E740481C1C}">
+                <a14:useLocalDpi xmlns:a14="http://schemas.microsoft.com/office/drawing/2010/main" val="0"/>
+              </a:ext>
+            </a:extLst>
+          </a:blip>
+          <a:stretch>
+            <a:fillRect/>
+          </a:stretch>
+        </p:blipFill>
+        <p:spPr bwMode="auto">
+          <a:xfrm>
+            <a:off x="1475654" y="2492896"/>
+            <a:ext cx="1687083" cy="2387700"/>
+          </a:xfrm>
+          <a:prstGeom prst="rect">
+            <a:avLst/>
+          </a:prstGeom>
+          <a:noFill/>
+          <a:extLst>
+            <a:ext uri="{909E8E84-426E-40DD-AFC4-6F175D3DCCD1}">
+              <a14:hiddenFill xmlns:a14="http://schemas.microsoft.com/office/drawing/2010/main">
+                <a:solidFill>
+                  <a:srgbClr val="FFFFFF"/>
+                </a:solidFill>
+              </a14:hiddenFill>
+            </a:ext>
+          </a:extLst>
+        </p:spPr>
+      </p:pic>
+      <p:pic>
+        <p:nvPicPr>
+          <p:cNvPr id="2052" name="Picture 4" descr="z = r e^{i \varphi}.\,"/>
+          <p:cNvPicPr>
+            <a:picLocks noChangeAspect="1" noChangeArrowheads="1"/>
+          </p:cNvPicPr>
+          <p:nvPr/>
+        </p:nvPicPr>
+        <p:blipFill>
+          <a:blip r:embed="rId3">
+            <a:extLst>
+              <a:ext uri="{28A0092B-C50C-407E-A947-70E740481C1C}">
+                <a14:useLocalDpi xmlns:a14="http://schemas.microsoft.com/office/drawing/2010/main" val="0"/>
+              </a:ext>
+            </a:extLst>
+          </a:blip>
+          <a:srcRect/>
+          <a:stretch>
+            <a:fillRect/>
+          </a:stretch>
+        </p:blipFill>
+        <p:spPr bwMode="auto">
+          <a:xfrm>
+            <a:off x="1966770" y="5301208"/>
+            <a:ext cx="704850" cy="171450"/>
+          </a:xfrm>
+          <a:prstGeom prst="rect">
+            <a:avLst/>
+          </a:prstGeom>
+          <a:noFill/>
+          <a:extLst>
+            <a:ext uri="{909E8E84-426E-40DD-AFC4-6F175D3DCCD1}">
+              <a14:hiddenFill xmlns:a14="http://schemas.microsoft.com/office/drawing/2010/main">
+                <a:solidFill>
+                  <a:srgbClr val="FFFFFF"/>
+                </a:solidFill>
+              </a14:hiddenFill>
+            </a:ext>
+          </a:extLst>
+        </p:spPr>
+      </p:pic>
+      <p:pic>
+        <p:nvPicPr>
+          <p:cNvPr id="2053" name="Picture 5" descr="C:\Users\karim.luy\He-ARC\INF2dlm-b\Projet P2 - Java\TurboSpin\Presentation\Quaternion2.png"/>
+          <p:cNvPicPr>
+            <a:picLocks noChangeAspect="1" noChangeArrowheads="1"/>
+          </p:cNvPicPr>
+          <p:nvPr/>
+        </p:nvPicPr>
+        <p:blipFill>
+          <a:blip r:embed="rId4">
+            <a:extLst>
+              <a:ext uri="{28A0092B-C50C-407E-A947-70E740481C1C}">
+                <a14:useLocalDpi xmlns:a14="http://schemas.microsoft.com/office/drawing/2010/main" val="0"/>
+              </a:ext>
+            </a:extLst>
+          </a:blip>
+          <a:srcRect/>
+          <a:stretch>
+            <a:fillRect/>
+          </a:stretch>
+        </p:blipFill>
+        <p:spPr bwMode="auto">
+          <a:xfrm>
+            <a:off x="4644008" y="2492896"/>
+            <a:ext cx="2664296" cy="3143037"/>
+          </a:xfrm>
+          <a:prstGeom prst="rect">
+            <a:avLst/>
+          </a:prstGeom>
+          <a:noFill/>
+          <a:extLst>
+            <a:ext uri="{909E8E84-426E-40DD-AFC4-6F175D3DCCD1}">
+              <a14:hiddenFill xmlns:a14="http://schemas.microsoft.com/office/drawing/2010/main">
+                <a:solidFill>
+                  <a:srgbClr val="FFFFFF"/>
+                </a:solidFill>
+              </a14:hiddenFill>
+            </a:ext>
+          </a:extLst>
+        </p:spPr>
+      </p:pic>
+      <p:sp>
+        <p:nvSpPr>
+          <p:cNvPr id="3" name="Rectangle 2"/>
+          <p:cNvSpPr/>
+          <p:nvPr/>
+        </p:nvSpPr>
+        <p:spPr>
+          <a:xfrm>
+            <a:off x="4931639" y="5877272"/>
+            <a:ext cx="2089033" cy="369332"/>
+          </a:xfrm>
+          <a:prstGeom prst="rect">
+            <a:avLst/>
+          </a:prstGeom>
+        </p:spPr>
+        <p:txBody>
+          <a:bodyPr wrap="none">
+            <a:spAutoFit/>
+          </a:bodyPr>
+          <a:lstStyle/>
+          <a:p>
+            <a:r>
+              <a:rPr lang="fr-CH" i="1" dirty="0"/>
+              <a:t>i</a:t>
+            </a:r>
+            <a:r>
+              <a:rPr lang="fr-CH" baseline="30000" dirty="0"/>
+              <a:t>2</a:t>
+            </a:r>
+            <a:r>
+              <a:rPr lang="fr-CH" dirty="0"/>
+              <a:t> = </a:t>
+            </a:r>
+            <a:r>
+              <a:rPr lang="fr-CH" i="1" dirty="0"/>
+              <a:t>j</a:t>
+            </a:r>
+            <a:r>
+              <a:rPr lang="fr-CH" baseline="30000" dirty="0"/>
+              <a:t>2</a:t>
+            </a:r>
+            <a:r>
+              <a:rPr lang="fr-CH" dirty="0"/>
+              <a:t> = </a:t>
+            </a:r>
+            <a:r>
+              <a:rPr lang="fr-CH" i="1" dirty="0"/>
+              <a:t>k</a:t>
+            </a:r>
+            <a:r>
+              <a:rPr lang="fr-CH" baseline="30000" dirty="0"/>
+              <a:t>2</a:t>
+            </a:r>
+            <a:r>
+              <a:rPr lang="fr-CH" dirty="0"/>
+              <a:t> = </a:t>
+            </a:r>
+            <a:r>
+              <a:rPr lang="fr-CH" i="1" dirty="0" err="1"/>
+              <a:t>ijk</a:t>
+            </a:r>
+            <a:r>
+              <a:rPr lang="fr-CH" dirty="0"/>
+              <a:t> = −1,</a:t>
+            </a:r>
+            <a:endParaRPr lang="fr-CH" dirty="0"/>
           </a:p>
         </p:txBody>
       </p:sp>
@@ -4725,6 +5086,286 @@
     <p:extLst>
       <p:ext uri="{BB962C8B-B14F-4D97-AF65-F5344CB8AC3E}">
         <p14:creationId xmlns:p14="http://schemas.microsoft.com/office/powerpoint/2010/main" val="1058164672"/>
+      </p:ext>
+    </p:extLst>
+  </p:cSld>
+  <p:clrMapOvr>
+    <a:masterClrMapping/>
+  </p:clrMapOvr>
+  <p:timing>
+    <p:tnLst>
+      <p:par>
+        <p:cTn id="1" dur="indefinite" restart="never" nodeType="tmRoot"/>
+      </p:par>
+    </p:tnLst>
+  </p:timing>
+</p:sld>
+</file>
+
+<file path=ppt/slides/slide9.xml><?xml version="1.0" encoding="utf-8"?>
+<p:sld xmlns:a="http://schemas.openxmlformats.org/drawingml/2006/main" xmlns:r="http://schemas.openxmlformats.org/officeDocument/2006/relationships" xmlns:p="http://schemas.openxmlformats.org/presentationml/2006/main">
+  <p:cSld>
+    <p:spTree>
+      <p:nvGrpSpPr>
+        <p:cNvPr id="1" name=""/>
+        <p:cNvGrpSpPr/>
+        <p:nvPr/>
+      </p:nvGrpSpPr>
+      <p:grpSpPr>
+        <a:xfrm>
+          <a:off x="0" y="0"/>
+          <a:ext cx="0" cy="0"/>
+          <a:chOff x="0" y="0"/>
+          <a:chExt cx="0" cy="0"/>
+        </a:xfrm>
+      </p:grpSpPr>
+      <p:sp>
+        <p:nvSpPr>
+          <p:cNvPr id="5" name="Titre 4"/>
+          <p:cNvSpPr>
+            <a:spLocks noGrp="1"/>
+          </p:cNvSpPr>
+          <p:nvPr>
+            <p:ph type="title"/>
+          </p:nvPr>
+        </p:nvSpPr>
+        <p:spPr/>
+        <p:txBody>
+          <a:bodyPr/>
+          <a:lstStyle/>
+          <a:p>
+            <a:r>
+              <a:rPr lang="en-GB" dirty="0" smtClean="0">
+                <a:latin typeface="Berlin Sans FB" panose="020E0602020502020306" pitchFamily="34" charset="0"/>
+              </a:rPr>
+              <a:t>Quaternion</a:t>
+            </a:r>
+            <a:endParaRPr lang="fr-CH" dirty="0">
+              <a:latin typeface="Berlin Sans FB" panose="020E0602020502020306" pitchFamily="34" charset="0"/>
+            </a:endParaRPr>
+          </a:p>
+        </p:txBody>
+      </p:sp>
+      <p:sp>
+        <p:nvSpPr>
+          <p:cNvPr id="6" name="Espace réservé du contenu 5"/>
+          <p:cNvSpPr>
+            <a:spLocks noGrp="1"/>
+          </p:cNvSpPr>
+          <p:nvPr>
+            <p:ph idx="1"/>
+          </p:nvPr>
+        </p:nvSpPr>
+        <p:spPr/>
+        <p:txBody>
+          <a:bodyPr/>
+          <a:lstStyle/>
+          <a:p>
+            <a:r>
+              <a:rPr lang="en-GB" dirty="0" smtClean="0"/>
+              <a:t>Est un </a:t>
+            </a:r>
+            <a:r>
+              <a:rPr lang="en-GB" dirty="0" err="1" smtClean="0"/>
+              <a:t>nombre</a:t>
+            </a:r>
+            <a:r>
+              <a:rPr lang="en-GB" dirty="0" smtClean="0"/>
+              <a:t> </a:t>
+            </a:r>
+            <a:r>
+              <a:rPr lang="en-GB" dirty="0" err="1" smtClean="0"/>
+              <a:t>complexe</a:t>
+            </a:r>
+            <a:r>
+              <a:rPr lang="en-GB" dirty="0" smtClean="0"/>
+              <a:t> compos</a:t>
+            </a:r>
+            <a:r>
+              <a:rPr lang="fr-CH" dirty="0" smtClean="0"/>
+              <a:t>é de</a:t>
+            </a:r>
+          </a:p>
+          <a:p>
+            <a:pPr lvl="1"/>
+            <a:r>
+              <a:rPr lang="fr-CH" dirty="0" smtClean="0"/>
+              <a:t>Une partie réelle		r;</a:t>
+            </a:r>
+            <a:endParaRPr lang="en-GB" dirty="0" smtClean="0"/>
+          </a:p>
+          <a:p>
+            <a:pPr lvl="1"/>
+            <a:r>
+              <a:rPr lang="en-GB" dirty="0" err="1" smtClean="0"/>
+              <a:t>Trois</a:t>
+            </a:r>
+            <a:r>
+              <a:rPr lang="en-GB" dirty="0" smtClean="0"/>
+              <a:t> parties </a:t>
+            </a:r>
+            <a:r>
+              <a:rPr lang="en-GB" dirty="0" err="1" smtClean="0"/>
+              <a:t>imaginaire</a:t>
+            </a:r>
+            <a:r>
+              <a:rPr lang="en-GB" dirty="0" smtClean="0"/>
+              <a:t>	</a:t>
+            </a:r>
+            <a:r>
+              <a:rPr lang="en-GB" dirty="0" err="1" smtClean="0"/>
+              <a:t>i</a:t>
+            </a:r>
+            <a:r>
+              <a:rPr lang="en-GB" dirty="0" smtClean="0"/>
+              <a:t>, j, k.</a:t>
+            </a:r>
+          </a:p>
+          <a:p>
+            <a:r>
+              <a:rPr lang="en-GB" dirty="0" err="1" smtClean="0"/>
+              <a:t>L’utilisation</a:t>
+            </a:r>
+            <a:r>
+              <a:rPr lang="en-GB" dirty="0" smtClean="0"/>
+              <a:t> de </a:t>
+            </a:r>
+            <a:r>
+              <a:rPr lang="en-GB" dirty="0" err="1" smtClean="0"/>
+              <a:t>cet</a:t>
+            </a:r>
+            <a:r>
+              <a:rPr lang="en-GB" dirty="0" smtClean="0"/>
+              <a:t> unit</a:t>
+            </a:r>
+            <a:r>
+              <a:rPr lang="fr-CH" dirty="0" smtClean="0"/>
+              <a:t>é</a:t>
+            </a:r>
+            <a:r>
+              <a:rPr lang="en-GB" dirty="0" smtClean="0"/>
+              <a:t> </a:t>
+            </a:r>
+            <a:r>
+              <a:rPr lang="en-GB" dirty="0" err="1" smtClean="0"/>
+              <a:t>simplifie</a:t>
+            </a:r>
+            <a:r>
+              <a:rPr lang="en-GB" dirty="0" smtClean="0"/>
+              <a:t> les </a:t>
+            </a:r>
+            <a:r>
+              <a:rPr lang="en-GB" dirty="0" err="1" smtClean="0"/>
+              <a:t>calculs</a:t>
+            </a:r>
+            <a:endParaRPr lang="en-GB" dirty="0" smtClean="0"/>
+          </a:p>
+          <a:p>
+            <a:pPr lvl="1"/>
+            <a:r>
+              <a:rPr lang="en-GB" dirty="0" err="1" smtClean="0"/>
+              <a:t>Multipli</a:t>
+            </a:r>
+            <a:r>
+              <a:rPr lang="fr-CH" dirty="0" smtClean="0"/>
+              <a:t>er deux matrices prend plus de calcul que multiplier un objet </a:t>
+            </a:r>
+            <a:r>
+              <a:rPr lang="fr-CH" dirty="0" err="1" smtClean="0"/>
+              <a:t>mathematique</a:t>
+            </a:r>
+            <a:r>
+              <a:rPr lang="fr-CH" dirty="0" smtClean="0"/>
+              <a:t> et un nombre complexe/quaternion</a:t>
+            </a:r>
+          </a:p>
+          <a:p>
+            <a:r>
+              <a:rPr lang="en-GB" dirty="0" err="1" smtClean="0"/>
+              <a:t>Permet</a:t>
+            </a:r>
+            <a:r>
+              <a:rPr lang="en-GB" dirty="0" smtClean="0"/>
+              <a:t> de </a:t>
+            </a:r>
+            <a:r>
+              <a:rPr lang="en-GB" dirty="0" err="1" smtClean="0"/>
+              <a:t>tourner</a:t>
+            </a:r>
+            <a:r>
+              <a:rPr lang="en-GB" dirty="0" smtClean="0"/>
+              <a:t> </a:t>
+            </a:r>
+            <a:r>
+              <a:rPr lang="en-GB" dirty="0" err="1" smtClean="0"/>
+              <a:t>autour</a:t>
+            </a:r>
+            <a:r>
+              <a:rPr lang="en-GB" dirty="0" smtClean="0"/>
+              <a:t> d’un axe </a:t>
+            </a:r>
+            <a:r>
+              <a:rPr lang="en-GB" dirty="0" err="1" smtClean="0"/>
+              <a:t>precis</a:t>
+            </a:r>
+            <a:endParaRPr lang="en-GB" dirty="0" smtClean="0"/>
+          </a:p>
+          <a:p>
+            <a:r>
+              <a:rPr lang="en-GB" dirty="0" err="1" smtClean="0"/>
+              <a:t>Moin</a:t>
+            </a:r>
+            <a:r>
+              <a:rPr lang="en-GB" dirty="0" smtClean="0"/>
+              <a:t> de </a:t>
+            </a:r>
+            <a:r>
+              <a:rPr lang="en-GB" dirty="0" err="1" smtClean="0"/>
+              <a:t>calculs</a:t>
+            </a:r>
+            <a:r>
+              <a:rPr lang="en-GB" dirty="0" smtClean="0"/>
+              <a:t>, </a:t>
+            </a:r>
+            <a:r>
+              <a:rPr lang="en-GB" dirty="0" err="1" smtClean="0"/>
+              <a:t>donc</a:t>
+            </a:r>
+            <a:r>
+              <a:rPr lang="en-GB" dirty="0" smtClean="0"/>
+              <a:t> </a:t>
+            </a:r>
+            <a:r>
+              <a:rPr lang="en-GB" dirty="0" err="1" smtClean="0"/>
+              <a:t>moin</a:t>
+            </a:r>
+            <a:r>
+              <a:rPr lang="en-GB" dirty="0" smtClean="0"/>
+              <a:t> </a:t>
+            </a:r>
+            <a:r>
+              <a:rPr lang="en-GB" dirty="0" err="1" smtClean="0"/>
+              <a:t>d’etapes</a:t>
+            </a:r>
+            <a:r>
+              <a:rPr lang="en-GB" dirty="0" smtClean="0"/>
+              <a:t> </a:t>
+            </a:r>
+            <a:r>
+              <a:rPr lang="en-GB" dirty="0" err="1" smtClean="0"/>
+              <a:t>intermediaire</a:t>
+            </a:r>
+            <a:endParaRPr lang="fr-CH" dirty="0" smtClean="0"/>
+          </a:p>
+          <a:p>
+            <a:endParaRPr lang="fr-CH" dirty="0"/>
+          </a:p>
+        </p:txBody>
+      </p:sp>
+    </p:spTree>
+    <p:extLst>
+      <p:ext uri="{BB962C8B-B14F-4D97-AF65-F5344CB8AC3E}">
+        <p14:creationId xmlns:p14="http://schemas.microsoft.com/office/powerpoint/2010/main" val="2403942685"/>
       </p:ext>
     </p:extLst>
   </p:cSld>

--- a/Presentation/MatrixLite.pptx
+++ b/Presentation/MatrixLite.pptx
@@ -15,6 +15,9 @@
     <p:sldId id="262" r:id="rId9"/>
     <p:sldId id="264" r:id="rId10"/>
     <p:sldId id="265" r:id="rId11"/>
+    <p:sldId id="268" r:id="rId12"/>
+    <p:sldId id="266" r:id="rId13"/>
+    <p:sldId id="267" r:id="rId14"/>
   </p:sldIdLst>
   <p:sldSz cx="9144000" cy="6858000" type="screen4x3"/>
   <p:notesSz cx="6858000" cy="9144000"/>
@@ -3509,10 +3512,776 @@
           <a:chExt cx="0" cy="0"/>
         </a:xfrm>
       </p:grpSpPr>
+      <p:pic>
+        <p:nvPicPr>
+          <p:cNvPr id="1026" name="Picture 2" descr="C:\Users\karim.luy\He-ARC\INF2dlm-b\Projet P2 - Java\TurboSpin\Presentation\qrotated.png"/>
+          <p:cNvPicPr>
+            <a:picLocks noChangeAspect="1" noChangeArrowheads="1"/>
+          </p:cNvPicPr>
+          <p:nvPr/>
+        </p:nvPicPr>
+        <p:blipFill>
+          <a:blip r:embed="rId2">
+            <a:extLst>
+              <a:ext uri="{28A0092B-C50C-407E-A947-70E740481C1C}">
+                <a14:useLocalDpi xmlns:a14="http://schemas.microsoft.com/office/drawing/2010/main" val="0"/>
+              </a:ext>
+            </a:extLst>
+          </a:blip>
+          <a:srcRect/>
+          <a:stretch>
+            <a:fillRect/>
+          </a:stretch>
+        </p:blipFill>
+        <p:spPr bwMode="auto">
+          <a:xfrm>
+            <a:off x="1043608" y="383704"/>
+            <a:ext cx="7631113" cy="6007100"/>
+          </a:xfrm>
+          <a:prstGeom prst="rect">
+            <a:avLst/>
+          </a:prstGeom>
+          <a:noFill/>
+          <a:extLst>
+            <a:ext uri="{909E8E84-426E-40DD-AFC4-6F175D3DCCD1}">
+              <a14:hiddenFill xmlns:a14="http://schemas.microsoft.com/office/drawing/2010/main">
+                <a:solidFill>
+                  <a:srgbClr val="FFFFFF"/>
+                </a:solidFill>
+              </a14:hiddenFill>
+            </a:ext>
+          </a:extLst>
+        </p:spPr>
+      </p:pic>
     </p:spTree>
     <p:extLst>
       <p:ext uri="{BB962C8B-B14F-4D97-AF65-F5344CB8AC3E}">
         <p14:creationId xmlns:p14="http://schemas.microsoft.com/office/powerpoint/2010/main" val="2688325040"/>
+      </p:ext>
+    </p:extLst>
+  </p:cSld>
+  <p:clrMapOvr>
+    <a:masterClrMapping/>
+  </p:clrMapOvr>
+  <p:timing>
+    <p:tnLst>
+      <p:par>
+        <p:cTn id="1" dur="indefinite" restart="never" nodeType="tmRoot"/>
+      </p:par>
+    </p:tnLst>
+  </p:timing>
+</p:sld>
+</file>
+
+<file path=ppt/slides/slide11.xml><?xml version="1.0" encoding="utf-8"?>
+<p:sld xmlns:a="http://schemas.openxmlformats.org/drawingml/2006/main" xmlns:r="http://schemas.openxmlformats.org/officeDocument/2006/relationships" xmlns:p="http://schemas.openxmlformats.org/presentationml/2006/main">
+  <p:cSld>
+    <p:spTree>
+      <p:nvGrpSpPr>
+        <p:cNvPr id="1" name=""/>
+        <p:cNvGrpSpPr/>
+        <p:nvPr/>
+      </p:nvGrpSpPr>
+      <p:grpSpPr>
+        <a:xfrm>
+          <a:off x="0" y="0"/>
+          <a:ext cx="0" cy="0"/>
+          <a:chOff x="0" y="0"/>
+          <a:chExt cx="0" cy="0"/>
+        </a:xfrm>
+      </p:grpSpPr>
+      <p:sp>
+        <p:nvSpPr>
+          <p:cNvPr id="2" name="Titre 1"/>
+          <p:cNvSpPr>
+            <a:spLocks noGrp="1"/>
+          </p:cNvSpPr>
+          <p:nvPr>
+            <p:ph type="title"/>
+          </p:nvPr>
+        </p:nvSpPr>
+        <p:spPr/>
+        <p:txBody>
+          <a:bodyPr/>
+          <a:lstStyle/>
+          <a:p>
+            <a:r>
+              <a:rPr lang="en-GB" dirty="0" smtClean="0">
+                <a:latin typeface="Berlin Sans FB" panose="020E0602020502020306" pitchFamily="34" charset="0"/>
+              </a:rPr>
+              <a:t>Le </a:t>
+            </a:r>
+            <a:r>
+              <a:rPr lang="en-GB" dirty="0" err="1" smtClean="0">
+                <a:latin typeface="Berlin Sans FB" panose="020E0602020502020306" pitchFamily="34" charset="0"/>
+              </a:rPr>
+              <a:t>vraie</a:t>
+            </a:r>
+            <a:r>
+              <a:rPr lang="en-GB" dirty="0" smtClean="0">
+                <a:latin typeface="Berlin Sans FB" panose="020E0602020502020306" pitchFamily="34" charset="0"/>
+              </a:rPr>
+              <a:t> </a:t>
+            </a:r>
+            <a:r>
+              <a:rPr lang="en-GB" dirty="0" err="1" smtClean="0">
+                <a:latin typeface="Berlin Sans FB" panose="020E0602020502020306" pitchFamily="34" charset="0"/>
+              </a:rPr>
+              <a:t>probl</a:t>
+            </a:r>
+            <a:r>
+              <a:rPr lang="fr-CH" dirty="0" smtClean="0">
+                <a:latin typeface="Berlin Sans FB" panose="020E0602020502020306" pitchFamily="34" charset="0"/>
+              </a:rPr>
+              <a:t>è</a:t>
+            </a:r>
+            <a:r>
+              <a:rPr lang="en-GB" dirty="0" smtClean="0">
+                <a:latin typeface="Berlin Sans FB" panose="020E0602020502020306" pitchFamily="34" charset="0"/>
+              </a:rPr>
+              <a:t>me</a:t>
+            </a:r>
+            <a:endParaRPr lang="fr-CH" dirty="0">
+              <a:latin typeface="Berlin Sans FB" panose="020E0602020502020306" pitchFamily="34" charset="0"/>
+            </a:endParaRPr>
+          </a:p>
+        </p:txBody>
+      </p:sp>
+      <p:sp>
+        <p:nvSpPr>
+          <p:cNvPr id="3" name="Espace réservé du contenu 2"/>
+          <p:cNvSpPr>
+            <a:spLocks noGrp="1"/>
+          </p:cNvSpPr>
+          <p:nvPr>
+            <p:ph idx="1"/>
+          </p:nvPr>
+        </p:nvSpPr>
+        <p:spPr/>
+        <p:txBody>
+          <a:bodyPr/>
+          <a:lstStyle/>
+          <a:p>
+            <a:endParaRPr lang="en-GB" dirty="0" smtClean="0"/>
+          </a:p>
+          <a:p>
+            <a:endParaRPr lang="en-GB" dirty="0"/>
+          </a:p>
+          <a:p>
+            <a:r>
+              <a:rPr lang="en-GB" dirty="0" smtClean="0"/>
+              <a:t>Les maths </a:t>
+            </a:r>
+            <a:r>
+              <a:rPr lang="en-GB" dirty="0" err="1" smtClean="0"/>
+              <a:t>sont</a:t>
+            </a:r>
+            <a:r>
+              <a:rPr lang="en-GB" dirty="0" smtClean="0"/>
+              <a:t> </a:t>
+            </a:r>
+            <a:r>
+              <a:rPr lang="en-GB" dirty="0" err="1" smtClean="0"/>
+              <a:t>bien</a:t>
+            </a:r>
+            <a:r>
+              <a:rPr lang="en-GB" dirty="0" smtClean="0"/>
+              <a:t> </a:t>
+            </a:r>
+            <a:r>
+              <a:rPr lang="en-GB" dirty="0" err="1" smtClean="0"/>
+              <a:t>jolie</a:t>
+            </a:r>
+            <a:r>
+              <a:rPr lang="en-GB" dirty="0" smtClean="0"/>
+              <a:t> </a:t>
+            </a:r>
+            <a:r>
+              <a:rPr lang="en-GB" dirty="0" err="1" smtClean="0"/>
+              <a:t>sur</a:t>
+            </a:r>
+            <a:r>
+              <a:rPr lang="en-GB" dirty="0" smtClean="0"/>
+              <a:t> </a:t>
+            </a:r>
+            <a:r>
+              <a:rPr lang="en-GB" dirty="0" err="1" smtClean="0"/>
+              <a:t>papier</a:t>
+            </a:r>
+            <a:endParaRPr lang="en-GB" dirty="0" smtClean="0"/>
+          </a:p>
+          <a:p>
+            <a:r>
+              <a:rPr lang="en-GB" dirty="0" err="1" smtClean="0"/>
+              <a:t>Mais</a:t>
+            </a:r>
+            <a:r>
+              <a:rPr lang="en-GB" dirty="0" smtClean="0"/>
+              <a:t> </a:t>
+            </a:r>
+            <a:r>
+              <a:rPr lang="en-GB" dirty="0" err="1" smtClean="0"/>
+              <a:t>qu’es-ce</a:t>
+            </a:r>
+            <a:r>
+              <a:rPr lang="en-GB" dirty="0" smtClean="0"/>
+              <a:t> </a:t>
+            </a:r>
+            <a:r>
+              <a:rPr lang="en-GB" dirty="0" err="1" smtClean="0"/>
+              <a:t>que</a:t>
+            </a:r>
+            <a:r>
+              <a:rPr lang="en-GB" dirty="0" smtClean="0"/>
+              <a:t> </a:t>
+            </a:r>
+            <a:r>
+              <a:rPr lang="en-GB" dirty="0" err="1" smtClean="0"/>
+              <a:t>ces</a:t>
+            </a:r>
+            <a:r>
+              <a:rPr lang="en-GB" dirty="0" smtClean="0"/>
+              <a:t> </a:t>
+            </a:r>
+            <a:r>
+              <a:rPr lang="en-GB" dirty="0" err="1" smtClean="0"/>
+              <a:t>nombres</a:t>
+            </a:r>
+            <a:r>
+              <a:rPr lang="en-GB" dirty="0" smtClean="0"/>
+              <a:t> </a:t>
+            </a:r>
+            <a:r>
+              <a:rPr lang="en-GB" dirty="0" err="1" smtClean="0"/>
+              <a:t>representent</a:t>
+            </a:r>
+            <a:r>
+              <a:rPr lang="en-GB" dirty="0" smtClean="0"/>
+              <a:t>?</a:t>
+            </a:r>
+          </a:p>
+          <a:p>
+            <a:r>
+              <a:rPr lang="en-GB" dirty="0" err="1" smtClean="0"/>
+              <a:t>Arrivez-vous</a:t>
+            </a:r>
+            <a:r>
+              <a:rPr lang="en-GB" dirty="0" smtClean="0"/>
+              <a:t> a </a:t>
+            </a:r>
+            <a:r>
+              <a:rPr lang="en-GB" dirty="0" err="1" smtClean="0"/>
+              <a:t>vous</a:t>
+            </a:r>
+            <a:r>
+              <a:rPr lang="en-GB" dirty="0" smtClean="0"/>
+              <a:t> </a:t>
+            </a:r>
+            <a:r>
+              <a:rPr lang="en-GB" dirty="0" err="1" smtClean="0"/>
+              <a:t>representer</a:t>
+            </a:r>
+            <a:r>
+              <a:rPr lang="en-GB" dirty="0" smtClean="0"/>
+              <a:t> </a:t>
+            </a:r>
+            <a:r>
+              <a:rPr lang="en-GB" dirty="0" err="1" smtClean="0"/>
+              <a:t>une</a:t>
+            </a:r>
+            <a:r>
+              <a:rPr lang="en-GB" dirty="0" smtClean="0"/>
+              <a:t> rotation </a:t>
+            </a:r>
+            <a:r>
+              <a:rPr lang="en-GB" dirty="0" err="1" smtClean="0"/>
+              <a:t>en</a:t>
+            </a:r>
+            <a:r>
+              <a:rPr lang="en-GB" dirty="0" smtClean="0"/>
+              <a:t> 3D </a:t>
+            </a:r>
+            <a:r>
+              <a:rPr lang="en-GB" dirty="0" err="1" smtClean="0"/>
+              <a:t>en</a:t>
+            </a:r>
+            <a:r>
+              <a:rPr lang="en-GB" dirty="0" smtClean="0"/>
+              <a:t> </a:t>
+            </a:r>
+            <a:r>
+              <a:rPr lang="en-GB" dirty="0" err="1" smtClean="0"/>
+              <a:t>partant</a:t>
+            </a:r>
+            <a:r>
+              <a:rPr lang="en-GB" dirty="0" smtClean="0"/>
+              <a:t> de 3 matrices </a:t>
+            </a:r>
+            <a:r>
+              <a:rPr lang="en-GB" dirty="0" err="1" smtClean="0"/>
+              <a:t>ou</a:t>
+            </a:r>
+            <a:r>
+              <a:rPr lang="en-GB" dirty="0" smtClean="0"/>
+              <a:t> d’un </a:t>
+            </a:r>
+            <a:r>
+              <a:rPr lang="en-GB" dirty="0" err="1" smtClean="0"/>
+              <a:t>nombre</a:t>
+            </a:r>
+            <a:r>
+              <a:rPr lang="en-GB" dirty="0" smtClean="0"/>
+              <a:t> </a:t>
+            </a:r>
+            <a:r>
+              <a:rPr lang="en-GB" dirty="0" err="1" smtClean="0"/>
+              <a:t>dit</a:t>
+            </a:r>
+            <a:r>
+              <a:rPr lang="en-GB" dirty="0" smtClean="0"/>
+              <a:t> hyper </a:t>
+            </a:r>
+            <a:r>
+              <a:rPr lang="en-GB" dirty="0" err="1" smtClean="0"/>
+              <a:t>complexe</a:t>
+            </a:r>
+            <a:r>
+              <a:rPr lang="en-GB" dirty="0" smtClean="0"/>
+              <a:t>?</a:t>
+            </a:r>
+          </a:p>
+          <a:p>
+            <a:endParaRPr lang="fr-CH" dirty="0"/>
+          </a:p>
+        </p:txBody>
+      </p:sp>
+    </p:spTree>
+    <p:extLst>
+      <p:ext uri="{BB962C8B-B14F-4D97-AF65-F5344CB8AC3E}">
+        <p14:creationId xmlns:p14="http://schemas.microsoft.com/office/powerpoint/2010/main" val="1152032074"/>
+      </p:ext>
+    </p:extLst>
+  </p:cSld>
+  <p:clrMapOvr>
+    <a:masterClrMapping/>
+  </p:clrMapOvr>
+  <p:timing>
+    <p:tnLst>
+      <p:par>
+        <p:cTn id="1" dur="indefinite" restart="never" nodeType="tmRoot"/>
+      </p:par>
+    </p:tnLst>
+  </p:timing>
+</p:sld>
+</file>
+
+<file path=ppt/slides/slide12.xml><?xml version="1.0" encoding="utf-8"?>
+<p:sld xmlns:a="http://schemas.openxmlformats.org/drawingml/2006/main" xmlns:r="http://schemas.openxmlformats.org/officeDocument/2006/relationships" xmlns:p="http://schemas.openxmlformats.org/presentationml/2006/main">
+  <p:cSld>
+    <p:spTree>
+      <p:nvGrpSpPr>
+        <p:cNvPr id="1" name=""/>
+        <p:cNvGrpSpPr/>
+        <p:nvPr/>
+      </p:nvGrpSpPr>
+      <p:grpSpPr>
+        <a:xfrm>
+          <a:off x="0" y="0"/>
+          <a:ext cx="0" cy="0"/>
+          <a:chOff x="0" y="0"/>
+          <a:chExt cx="0" cy="0"/>
+        </a:xfrm>
+      </p:grpSpPr>
+      <p:sp>
+        <p:nvSpPr>
+          <p:cNvPr id="2" name="Titre 1"/>
+          <p:cNvSpPr>
+            <a:spLocks noGrp="1"/>
+          </p:cNvSpPr>
+          <p:nvPr>
+            <p:ph type="title"/>
+          </p:nvPr>
+        </p:nvSpPr>
+        <p:spPr>
+          <a:xfrm>
+            <a:off x="467544" y="2132856"/>
+            <a:ext cx="8229600" cy="1600200"/>
+          </a:xfrm>
+        </p:spPr>
+        <p:txBody>
+          <a:bodyPr/>
+          <a:lstStyle/>
+          <a:p>
+            <a:r>
+              <a:rPr lang="en-GB" dirty="0" smtClean="0">
+                <a:latin typeface="Berlin Sans FB" panose="020E0602020502020306" pitchFamily="34" charset="0"/>
+              </a:rPr>
+              <a:t>Notre solution</a:t>
+            </a:r>
+            <a:endParaRPr lang="fr-CH" dirty="0">
+              <a:latin typeface="Berlin Sans FB" panose="020E0602020502020306" pitchFamily="34" charset="0"/>
+            </a:endParaRPr>
+          </a:p>
+        </p:txBody>
+      </p:sp>
+    </p:spTree>
+    <p:extLst>
+      <p:ext uri="{BB962C8B-B14F-4D97-AF65-F5344CB8AC3E}">
+        <p14:creationId xmlns:p14="http://schemas.microsoft.com/office/powerpoint/2010/main" val="1301567052"/>
+      </p:ext>
+    </p:extLst>
+  </p:cSld>
+  <p:clrMapOvr>
+    <a:masterClrMapping/>
+  </p:clrMapOvr>
+  <p:timing>
+    <p:tnLst>
+      <p:par>
+        <p:cTn id="1" dur="indefinite" restart="never" nodeType="tmRoot"/>
+      </p:par>
+    </p:tnLst>
+  </p:timing>
+</p:sld>
+</file>
+
+<file path=ppt/slides/slide13.xml><?xml version="1.0" encoding="utf-8"?>
+<p:sld xmlns:a="http://schemas.openxmlformats.org/drawingml/2006/main" xmlns:r="http://schemas.openxmlformats.org/officeDocument/2006/relationships" xmlns:p="http://schemas.openxmlformats.org/presentationml/2006/main">
+  <p:cSld>
+    <p:spTree>
+      <p:nvGrpSpPr>
+        <p:cNvPr id="1" name=""/>
+        <p:cNvGrpSpPr/>
+        <p:nvPr/>
+      </p:nvGrpSpPr>
+      <p:grpSpPr>
+        <a:xfrm>
+          <a:off x="0" y="0"/>
+          <a:ext cx="0" cy="0"/>
+          <a:chOff x="0" y="0"/>
+          <a:chExt cx="0" cy="0"/>
+        </a:xfrm>
+      </p:grpSpPr>
+      <p:sp>
+        <p:nvSpPr>
+          <p:cNvPr id="2" name="Titre 1"/>
+          <p:cNvSpPr>
+            <a:spLocks noGrp="1"/>
+          </p:cNvSpPr>
+          <p:nvPr>
+            <p:ph type="title"/>
+          </p:nvPr>
+        </p:nvSpPr>
+        <p:spPr/>
+        <p:txBody>
+          <a:bodyPr/>
+          <a:lstStyle/>
+          <a:p>
+            <a:r>
+              <a:rPr lang="en-GB" dirty="0" smtClean="0">
+                <a:latin typeface="Berlin Sans FB" panose="020E0602020502020306" pitchFamily="34" charset="0"/>
+              </a:rPr>
+              <a:t>Sources</a:t>
+            </a:r>
+            <a:endParaRPr lang="fr-CH" dirty="0">
+              <a:latin typeface="Berlin Sans FB" panose="020E0602020502020306" pitchFamily="34" charset="0"/>
+            </a:endParaRPr>
+          </a:p>
+        </p:txBody>
+      </p:sp>
+      <p:sp>
+        <p:nvSpPr>
+          <p:cNvPr id="3" name="Espace réservé du contenu 2"/>
+          <p:cNvSpPr>
+            <a:spLocks noGrp="1"/>
+          </p:cNvSpPr>
+          <p:nvPr>
+            <p:ph idx="1"/>
+          </p:nvPr>
+        </p:nvSpPr>
+        <p:spPr/>
+        <p:txBody>
+          <a:bodyPr>
+            <a:normAutofit fontScale="85000" lnSpcReduction="10000"/>
+          </a:bodyPr>
+          <a:lstStyle/>
+          <a:p>
+            <a:r>
+              <a:rPr lang="en-US" i="1" dirty="0"/>
+              <a:t>Arrow Rotation</a:t>
+            </a:r>
+            <a:r>
+              <a:rPr lang="en-US" dirty="0"/>
+              <a:t>. Digital image. </a:t>
+            </a:r>
+            <a:r>
+              <a:rPr lang="en-US" dirty="0" err="1"/>
+              <a:t>N.p</a:t>
+            </a:r>
+            <a:r>
+              <a:rPr lang="en-US" dirty="0"/>
+              <a:t>., </a:t>
+            </a:r>
+            <a:r>
+              <a:rPr lang="en-US" dirty="0" err="1"/>
+              <a:t>n.d.</a:t>
+            </a:r>
+            <a:r>
+              <a:rPr lang="en-US" dirty="0"/>
+              <a:t> Web. 05 June 2015. </a:t>
+            </a:r>
+            <a:r>
+              <a:rPr lang="en-US" dirty="0" smtClean="0">
+                <a:hlinkClick r:id="rId2"/>
+              </a:rPr>
+              <a:t>https</a:t>
+            </a:r>
+            <a:r>
+              <a:rPr lang="en-US" dirty="0">
+                <a:hlinkClick r:id="rId2"/>
+              </a:rPr>
+              <a:t>://</a:t>
+            </a:r>
+            <a:r>
+              <a:rPr lang="en-US" dirty="0" smtClean="0">
+                <a:hlinkClick r:id="rId2"/>
+              </a:rPr>
+              <a:t>www.iconfinder.com/icons/393260/arrow_arrows_rotate_icon#size=128</a:t>
+            </a:r>
+            <a:endParaRPr lang="en-US" dirty="0" smtClean="0"/>
+          </a:p>
+          <a:p>
+            <a:r>
+              <a:rPr lang="en-US" dirty="0"/>
+              <a:t>"Complex Number." </a:t>
+            </a:r>
+            <a:r>
+              <a:rPr lang="en-US" i="1" dirty="0"/>
+              <a:t>Wikipedia</a:t>
+            </a:r>
+            <a:r>
+              <a:rPr lang="en-US" dirty="0"/>
+              <a:t>. Wikimedia Foundation, </a:t>
+            </a:r>
+            <a:r>
+              <a:rPr lang="en-US" dirty="0" err="1"/>
+              <a:t>n.d.</a:t>
+            </a:r>
+            <a:r>
+              <a:rPr lang="en-US" dirty="0"/>
+              <a:t> Web. 05 June 2015. </a:t>
+            </a:r>
+            <a:r>
+              <a:rPr lang="en-US" dirty="0" smtClean="0">
+                <a:hlinkClick r:id="rId3"/>
+              </a:rPr>
+              <a:t>http</a:t>
+            </a:r>
+            <a:r>
+              <a:rPr lang="en-US" dirty="0">
+                <a:hlinkClick r:id="rId3"/>
+              </a:rPr>
+              <a:t>://</a:t>
+            </a:r>
+            <a:r>
+              <a:rPr lang="en-US" dirty="0" smtClean="0">
+                <a:hlinkClick r:id="rId3"/>
+              </a:rPr>
+              <a:t>en.wikipedia.org/wiki/Complex_number</a:t>
+            </a:r>
+            <a:endParaRPr lang="en-US" dirty="0" smtClean="0"/>
+          </a:p>
+          <a:p>
+            <a:r>
+              <a:rPr lang="fr-CH" i="1" dirty="0" err="1"/>
+              <a:t>Counterclockwise</a:t>
+            </a:r>
+            <a:r>
+              <a:rPr lang="fr-CH" i="1" dirty="0"/>
+              <a:t> Rotation</a:t>
+            </a:r>
+            <a:r>
+              <a:rPr lang="fr-CH" dirty="0"/>
+              <a:t>. Digital image. </a:t>
+            </a:r>
+            <a:r>
+              <a:rPr lang="fr-CH" i="1" dirty="0" err="1"/>
+              <a:t>Wikipedia</a:t>
+            </a:r>
+            <a:r>
+              <a:rPr lang="fr-CH" dirty="0"/>
+              <a:t>. </a:t>
+            </a:r>
+            <a:r>
+              <a:rPr lang="fr-CH" dirty="0" err="1"/>
+              <a:t>N.p</a:t>
+            </a:r>
+            <a:r>
+              <a:rPr lang="fr-CH" dirty="0"/>
+              <a:t>., </a:t>
+            </a:r>
+            <a:r>
+              <a:rPr lang="fr-CH" dirty="0" err="1"/>
+              <a:t>n.d</a:t>
+            </a:r>
+            <a:r>
+              <a:rPr lang="fr-CH" dirty="0"/>
+              <a:t>. Web. 05 </a:t>
+            </a:r>
+            <a:r>
+              <a:rPr lang="fr-CH" dirty="0" err="1"/>
+              <a:t>June</a:t>
+            </a:r>
+            <a:r>
+              <a:rPr lang="fr-CH" dirty="0"/>
+              <a:t> 2015. </a:t>
+            </a:r>
+            <a:r>
+              <a:rPr lang="fr-CH" dirty="0" smtClean="0">
+                <a:hlinkClick r:id="rId4"/>
+              </a:rPr>
+              <a:t>http</a:t>
+            </a:r>
+            <a:r>
+              <a:rPr lang="fr-CH" dirty="0">
+                <a:hlinkClick r:id="rId4"/>
+              </a:rPr>
+              <a:t>://</a:t>
+            </a:r>
+            <a:r>
+              <a:rPr lang="fr-CH" dirty="0" smtClean="0">
+                <a:hlinkClick r:id="rId4"/>
+              </a:rPr>
+              <a:t>upload.wikimedia.org/wikipedia/commons/d/d5/Counterclockwise_rotation.png</a:t>
+            </a:r>
+            <a:endParaRPr lang="fr-CH" dirty="0" smtClean="0"/>
+          </a:p>
+          <a:p>
+            <a:r>
+              <a:rPr lang="fr-CH" i="1" dirty="0"/>
+              <a:t>Euler Angles</a:t>
+            </a:r>
+            <a:r>
+              <a:rPr lang="fr-CH" dirty="0"/>
+              <a:t>. Digital image. </a:t>
+            </a:r>
+            <a:r>
+              <a:rPr lang="fr-CH" dirty="0" err="1"/>
+              <a:t>N.p</a:t>
+            </a:r>
+            <a:r>
+              <a:rPr lang="fr-CH" dirty="0"/>
+              <a:t>., </a:t>
+            </a:r>
+            <a:r>
+              <a:rPr lang="fr-CH" dirty="0" err="1"/>
+              <a:t>n.d</a:t>
+            </a:r>
+            <a:r>
+              <a:rPr lang="fr-CH" dirty="0"/>
+              <a:t>. Web. 05 </a:t>
+            </a:r>
+            <a:r>
+              <a:rPr lang="fr-CH" dirty="0" err="1"/>
+              <a:t>June</a:t>
+            </a:r>
+            <a:r>
+              <a:rPr lang="fr-CH" dirty="0"/>
+              <a:t> 2015. </a:t>
+            </a:r>
+            <a:r>
+              <a:rPr lang="fr-CH" dirty="0" smtClean="0">
+                <a:hlinkClick r:id="rId5"/>
+              </a:rPr>
+              <a:t>http</a:t>
+            </a:r>
+            <a:r>
+              <a:rPr lang="fr-CH" dirty="0">
+                <a:hlinkClick r:id="rId5"/>
+              </a:rPr>
+              <a:t>://en.wikipedia.org/wiki/Euler_angles#/</a:t>
+            </a:r>
+            <a:r>
+              <a:rPr lang="fr-CH" dirty="0" smtClean="0">
+                <a:hlinkClick r:id="rId5"/>
+              </a:rPr>
+              <a:t>media/File:Eulerangles.svg</a:t>
+            </a:r>
+            <a:endParaRPr lang="fr-CH" dirty="0" smtClean="0"/>
+          </a:p>
+          <a:p>
+            <a:r>
+              <a:rPr lang="fr-CH" dirty="0"/>
+              <a:t>"Rotation Matrix." </a:t>
+            </a:r>
+            <a:r>
+              <a:rPr lang="fr-CH" i="1" dirty="0" err="1"/>
+              <a:t>Wikipedia</a:t>
+            </a:r>
+            <a:r>
+              <a:rPr lang="fr-CH" dirty="0"/>
+              <a:t>. </a:t>
+            </a:r>
+            <a:r>
+              <a:rPr lang="fr-CH" dirty="0" err="1"/>
+              <a:t>Wikimedia</a:t>
+            </a:r>
+            <a:r>
+              <a:rPr lang="fr-CH" dirty="0"/>
+              <a:t> </a:t>
+            </a:r>
+            <a:r>
+              <a:rPr lang="fr-CH" dirty="0" err="1"/>
+              <a:t>Foundation</a:t>
+            </a:r>
+            <a:r>
+              <a:rPr lang="fr-CH" dirty="0"/>
+              <a:t>, </a:t>
+            </a:r>
+            <a:r>
+              <a:rPr lang="fr-CH" dirty="0" err="1"/>
+              <a:t>n.d</a:t>
+            </a:r>
+            <a:r>
+              <a:rPr lang="fr-CH" dirty="0"/>
+              <a:t>. Web. 05 </a:t>
+            </a:r>
+            <a:r>
+              <a:rPr lang="fr-CH" dirty="0" err="1"/>
+              <a:t>June</a:t>
+            </a:r>
+            <a:r>
+              <a:rPr lang="fr-CH" dirty="0"/>
+              <a:t> 2015. </a:t>
+            </a:r>
+            <a:r>
+              <a:rPr lang="fr-CH" dirty="0" smtClean="0">
+                <a:hlinkClick r:id="rId6"/>
+              </a:rPr>
+              <a:t>http</a:t>
+            </a:r>
+            <a:r>
+              <a:rPr lang="fr-CH" dirty="0">
+                <a:hlinkClick r:id="rId6"/>
+              </a:rPr>
+              <a:t>://</a:t>
+            </a:r>
+            <a:r>
+              <a:rPr lang="fr-CH" dirty="0" smtClean="0">
+                <a:hlinkClick r:id="rId6"/>
+              </a:rPr>
+              <a:t>en.wikipedia.org/wiki/Rotation_matrix</a:t>
+            </a:r>
+            <a:endParaRPr lang="fr-CH" dirty="0" smtClean="0"/>
+          </a:p>
+          <a:p>
+            <a:endParaRPr lang="en-US" dirty="0"/>
+          </a:p>
+        </p:txBody>
+      </p:sp>
+    </p:spTree>
+    <p:extLst>
+      <p:ext uri="{BB962C8B-B14F-4D97-AF65-F5344CB8AC3E}">
+        <p14:creationId xmlns:p14="http://schemas.microsoft.com/office/powerpoint/2010/main" val="2407799612"/>
       </p:ext>
     </p:extLst>
   </p:cSld>
@@ -3640,6 +4409,36 @@
           <a:p>
             <a:r>
               <a:rPr lang="en-GB" dirty="0" smtClean="0"/>
+              <a:t>Les matrices </a:t>
+            </a:r>
+            <a:r>
+              <a:rPr lang="en-GB" dirty="0" err="1" smtClean="0"/>
+              <a:t>en</a:t>
+            </a:r>
+            <a:r>
+              <a:rPr lang="en-GB" dirty="0" smtClean="0"/>
+              <a:t> 3D</a:t>
+            </a:r>
+          </a:p>
+          <a:p>
+            <a:r>
+              <a:rPr lang="en-GB" dirty="0" err="1" smtClean="0"/>
+              <a:t>Nombre</a:t>
+            </a:r>
+            <a:r>
+              <a:rPr lang="en-GB" dirty="0" smtClean="0"/>
+              <a:t> complexes</a:t>
+            </a:r>
+          </a:p>
+          <a:p>
+            <a:r>
+              <a:rPr lang="en-GB" dirty="0" smtClean="0"/>
+              <a:t>Quaternions</a:t>
+            </a:r>
+          </a:p>
+          <a:p>
+            <a:r>
+              <a:rPr lang="en-GB" dirty="0" smtClean="0"/>
               <a:t>Le </a:t>
             </a:r>
             <a:r>
@@ -3652,22 +4451,22 @@
             </a:r>
             <a:r>
               <a:rPr lang="en-GB" dirty="0" err="1" smtClean="0"/>
-              <a:t>probl</a:t>
-            </a:r>
-            <a:r>
-              <a:rPr lang="fr-CH" dirty="0" smtClean="0"/>
-              <a:t>è</a:t>
-            </a:r>
-            <a:r>
-              <a:rPr lang="en-GB" dirty="0" smtClean="0"/>
-              <a:t>me</a:t>
-            </a:r>
+              <a:t>probleme</a:t>
+            </a:r>
+            <a:endParaRPr lang="en-GB" dirty="0" smtClean="0"/>
           </a:p>
           <a:p>
             <a:r>
               <a:rPr lang="en-GB" dirty="0" smtClean="0"/>
               <a:t>Notre solution</a:t>
             </a:r>
+          </a:p>
+          <a:p>
+            <a:r>
+              <a:rPr lang="en-GB" dirty="0" smtClean="0"/>
+              <a:t>Sources</a:t>
+            </a:r>
+            <a:endParaRPr lang="en-GB" dirty="0" smtClean="0"/>
           </a:p>
           <a:p>
             <a:endParaRPr lang="en-GB" dirty="0" smtClean="0"/>
@@ -4412,9 +5211,394 @@
   <p:timing>
     <p:tnLst>
       <p:par>
-        <p:cTn id="1" dur="indefinite" restart="never" nodeType="tmRoot"/>
+        <p:cTn id="1" dur="indefinite" restart="never" nodeType="tmRoot">
+          <p:childTnLst>
+            <p:seq concurrent="1" nextAc="seek">
+              <p:cTn id="2" dur="indefinite" nodeType="mainSeq">
+                <p:childTnLst>
+                  <p:par>
+                    <p:cTn id="3" fill="hold">
+                      <p:stCondLst>
+                        <p:cond delay="indefinite"/>
+                      </p:stCondLst>
+                      <p:childTnLst>
+                        <p:par>
+                          <p:cTn id="4" fill="hold">
+                            <p:stCondLst>
+                              <p:cond delay="0"/>
+                            </p:stCondLst>
+                            <p:childTnLst>
+                              <p:par>
+                                <p:cTn id="5" presetID="10" presetClass="entr" presetSubtype="0" fill="hold" nodeType="clickEffect">
+                                  <p:stCondLst>
+                                    <p:cond delay="0"/>
+                                  </p:stCondLst>
+                                  <p:childTnLst>
+                                    <p:set>
+                                      <p:cBhvr>
+                                        <p:cTn id="6" dur="1" fill="hold">
+                                          <p:stCondLst>
+                                            <p:cond delay="0"/>
+                                          </p:stCondLst>
+                                        </p:cTn>
+                                        <p:tgtEl>
+                                          <p:spTgt spid="4">
+                                            <p:txEl>
+                                              <p:pRg st="0" end="0"/>
+                                            </p:txEl>
+                                          </p:spTgt>
+                                        </p:tgtEl>
+                                        <p:attrNameLst>
+                                          <p:attrName>style.visibility</p:attrName>
+                                        </p:attrNameLst>
+                                      </p:cBhvr>
+                                      <p:to>
+                                        <p:strVal val="visible"/>
+                                      </p:to>
+                                    </p:set>
+                                    <p:animEffect transition="in" filter="fade">
+                                      <p:cBhvr>
+                                        <p:cTn id="7" dur="500"/>
+                                        <p:tgtEl>
+                                          <p:spTgt spid="4">
+                                            <p:txEl>
+                                              <p:pRg st="0" end="0"/>
+                                            </p:txEl>
+                                          </p:spTgt>
+                                        </p:tgtEl>
+                                      </p:cBhvr>
+                                    </p:animEffect>
+                                  </p:childTnLst>
+                                </p:cTn>
+                              </p:par>
+                            </p:childTnLst>
+                          </p:cTn>
+                        </p:par>
+                      </p:childTnLst>
+                    </p:cTn>
+                  </p:par>
+                  <p:par>
+                    <p:cTn id="8" fill="hold">
+                      <p:stCondLst>
+                        <p:cond delay="indefinite"/>
+                      </p:stCondLst>
+                      <p:childTnLst>
+                        <p:par>
+                          <p:cTn id="9" fill="hold">
+                            <p:stCondLst>
+                              <p:cond delay="0"/>
+                            </p:stCondLst>
+                            <p:childTnLst>
+                              <p:par>
+                                <p:cTn id="10" presetID="10" presetClass="entr" presetSubtype="0" fill="hold" nodeType="clickEffect">
+                                  <p:stCondLst>
+                                    <p:cond delay="0"/>
+                                  </p:stCondLst>
+                                  <p:childTnLst>
+                                    <p:set>
+                                      <p:cBhvr>
+                                        <p:cTn id="11" dur="1" fill="hold">
+                                          <p:stCondLst>
+                                            <p:cond delay="0"/>
+                                          </p:stCondLst>
+                                        </p:cTn>
+                                        <p:tgtEl>
+                                          <p:spTgt spid="4098"/>
+                                        </p:tgtEl>
+                                        <p:attrNameLst>
+                                          <p:attrName>style.visibility</p:attrName>
+                                        </p:attrNameLst>
+                                      </p:cBhvr>
+                                      <p:to>
+                                        <p:strVal val="visible"/>
+                                      </p:to>
+                                    </p:set>
+                                    <p:animEffect transition="in" filter="fade">
+                                      <p:cBhvr>
+                                        <p:cTn id="12" dur="500"/>
+                                        <p:tgtEl>
+                                          <p:spTgt spid="4098"/>
+                                        </p:tgtEl>
+                                      </p:cBhvr>
+                                    </p:animEffect>
+                                  </p:childTnLst>
+                                </p:cTn>
+                              </p:par>
+                            </p:childTnLst>
+                          </p:cTn>
+                        </p:par>
+                      </p:childTnLst>
+                    </p:cTn>
+                  </p:par>
+                  <p:par>
+                    <p:cTn id="13" fill="hold">
+                      <p:stCondLst>
+                        <p:cond delay="indefinite"/>
+                      </p:stCondLst>
+                      <p:childTnLst>
+                        <p:par>
+                          <p:cTn id="14" fill="hold">
+                            <p:stCondLst>
+                              <p:cond delay="0"/>
+                            </p:stCondLst>
+                            <p:childTnLst>
+                              <p:par>
+                                <p:cTn id="15" presetID="10" presetClass="entr" presetSubtype="0" fill="hold" nodeType="clickEffect">
+                                  <p:stCondLst>
+                                    <p:cond delay="0"/>
+                                  </p:stCondLst>
+                                  <p:childTnLst>
+                                    <p:set>
+                                      <p:cBhvr>
+                                        <p:cTn id="16" dur="1" fill="hold">
+                                          <p:stCondLst>
+                                            <p:cond delay="0"/>
+                                          </p:stCondLst>
+                                        </p:cTn>
+                                        <p:tgtEl>
+                                          <p:spTgt spid="4">
+                                            <p:txEl>
+                                              <p:pRg st="6" end="6"/>
+                                            </p:txEl>
+                                          </p:spTgt>
+                                        </p:tgtEl>
+                                        <p:attrNameLst>
+                                          <p:attrName>style.visibility</p:attrName>
+                                        </p:attrNameLst>
+                                      </p:cBhvr>
+                                      <p:to>
+                                        <p:strVal val="visible"/>
+                                      </p:to>
+                                    </p:set>
+                                    <p:animEffect transition="in" filter="fade">
+                                      <p:cBhvr>
+                                        <p:cTn id="17" dur="500"/>
+                                        <p:tgtEl>
+                                          <p:spTgt spid="4">
+                                            <p:txEl>
+                                              <p:pRg st="6" end="6"/>
+                                            </p:txEl>
+                                          </p:spTgt>
+                                        </p:tgtEl>
+                                      </p:cBhvr>
+                                    </p:animEffect>
+                                  </p:childTnLst>
+                                </p:cTn>
+                              </p:par>
+                            </p:childTnLst>
+                          </p:cTn>
+                        </p:par>
+                      </p:childTnLst>
+                    </p:cTn>
+                  </p:par>
+                  <p:par>
+                    <p:cTn id="18" fill="hold">
+                      <p:stCondLst>
+                        <p:cond delay="indefinite"/>
+                      </p:stCondLst>
+                      <p:childTnLst>
+                        <p:par>
+                          <p:cTn id="19" fill="hold">
+                            <p:stCondLst>
+                              <p:cond delay="0"/>
+                            </p:stCondLst>
+                            <p:childTnLst>
+                              <p:par>
+                                <p:cTn id="20" presetID="10" presetClass="entr" presetSubtype="0" fill="hold" nodeType="clickEffect">
+                                  <p:stCondLst>
+                                    <p:cond delay="0"/>
+                                  </p:stCondLst>
+                                  <p:childTnLst>
+                                    <p:set>
+                                      <p:cBhvr>
+                                        <p:cTn id="21" dur="1" fill="hold">
+                                          <p:stCondLst>
+                                            <p:cond delay="0"/>
+                                          </p:stCondLst>
+                                        </p:cTn>
+                                        <p:tgtEl>
+                                          <p:spTgt spid="4099"/>
+                                        </p:tgtEl>
+                                        <p:attrNameLst>
+                                          <p:attrName>style.visibility</p:attrName>
+                                        </p:attrNameLst>
+                                      </p:cBhvr>
+                                      <p:to>
+                                        <p:strVal val="visible"/>
+                                      </p:to>
+                                    </p:set>
+                                    <p:animEffect transition="in" filter="fade">
+                                      <p:cBhvr>
+                                        <p:cTn id="22" dur="500"/>
+                                        <p:tgtEl>
+                                          <p:spTgt spid="4099"/>
+                                        </p:tgtEl>
+                                      </p:cBhvr>
+                                    </p:animEffect>
+                                  </p:childTnLst>
+                                </p:cTn>
+                              </p:par>
+                              <p:par>
+                                <p:cTn id="23" presetID="10" presetClass="entr" presetSubtype="0" fill="hold" nodeType="withEffect">
+                                  <p:stCondLst>
+                                    <p:cond delay="0"/>
+                                  </p:stCondLst>
+                                  <p:childTnLst>
+                                    <p:set>
+                                      <p:cBhvr>
+                                        <p:cTn id="24" dur="1" fill="hold">
+                                          <p:stCondLst>
+                                            <p:cond delay="0"/>
+                                          </p:stCondLst>
+                                        </p:cTn>
+                                        <p:tgtEl>
+                                          <p:spTgt spid="4100"/>
+                                        </p:tgtEl>
+                                        <p:attrNameLst>
+                                          <p:attrName>style.visibility</p:attrName>
+                                        </p:attrNameLst>
+                                      </p:cBhvr>
+                                      <p:to>
+                                        <p:strVal val="visible"/>
+                                      </p:to>
+                                    </p:set>
+                                    <p:animEffect transition="in" filter="fade">
+                                      <p:cBhvr>
+                                        <p:cTn id="25" dur="500"/>
+                                        <p:tgtEl>
+                                          <p:spTgt spid="4100"/>
+                                        </p:tgtEl>
+                                      </p:cBhvr>
+                                    </p:animEffect>
+                                  </p:childTnLst>
+                                </p:cTn>
+                              </p:par>
+                            </p:childTnLst>
+                          </p:cTn>
+                        </p:par>
+                      </p:childTnLst>
+                    </p:cTn>
+                  </p:par>
+                  <p:par>
+                    <p:cTn id="26" fill="hold">
+                      <p:stCondLst>
+                        <p:cond delay="indefinite"/>
+                      </p:stCondLst>
+                      <p:childTnLst>
+                        <p:par>
+                          <p:cTn id="27" fill="hold">
+                            <p:stCondLst>
+                              <p:cond delay="0"/>
+                            </p:stCondLst>
+                            <p:childTnLst>
+                              <p:par>
+                                <p:cTn id="28" presetID="10" presetClass="entr" presetSubtype="0" fill="hold" grpId="0" nodeType="clickEffect">
+                                  <p:stCondLst>
+                                    <p:cond delay="0"/>
+                                  </p:stCondLst>
+                                  <p:childTnLst>
+                                    <p:set>
+                                      <p:cBhvr>
+                                        <p:cTn id="29" dur="1" fill="hold">
+                                          <p:stCondLst>
+                                            <p:cond delay="0"/>
+                                          </p:stCondLst>
+                                        </p:cTn>
+                                        <p:tgtEl>
+                                          <p:spTgt spid="3">
+                                            <p:txEl>
+                                              <p:pRg st="0" end="0"/>
+                                            </p:txEl>
+                                          </p:spTgt>
+                                        </p:tgtEl>
+                                        <p:attrNameLst>
+                                          <p:attrName>style.visibility</p:attrName>
+                                        </p:attrNameLst>
+                                      </p:cBhvr>
+                                      <p:to>
+                                        <p:strVal val="visible"/>
+                                      </p:to>
+                                    </p:set>
+                                    <p:animEffect transition="in" filter="fade">
+                                      <p:cBhvr>
+                                        <p:cTn id="30" dur="500"/>
+                                        <p:tgtEl>
+                                          <p:spTgt spid="3">
+                                            <p:txEl>
+                                              <p:pRg st="0" end="0"/>
+                                            </p:txEl>
+                                          </p:spTgt>
+                                        </p:tgtEl>
+                                      </p:cBhvr>
+                                    </p:animEffect>
+                                  </p:childTnLst>
+                                </p:cTn>
+                              </p:par>
+                              <p:par>
+                                <p:cTn id="31" presetID="10" presetClass="entr" presetSubtype="0" fill="hold" nodeType="withEffect">
+                                  <p:stCondLst>
+                                    <p:cond delay="0"/>
+                                  </p:stCondLst>
+                                  <p:childTnLst>
+                                    <p:set>
+                                      <p:cBhvr>
+                                        <p:cTn id="32" dur="1" fill="hold">
+                                          <p:stCondLst>
+                                            <p:cond delay="0"/>
+                                          </p:stCondLst>
+                                        </p:cTn>
+                                        <p:tgtEl>
+                                          <p:spTgt spid="4101"/>
+                                        </p:tgtEl>
+                                        <p:attrNameLst>
+                                          <p:attrName>style.visibility</p:attrName>
+                                        </p:attrNameLst>
+                                      </p:cBhvr>
+                                      <p:to>
+                                        <p:strVal val="visible"/>
+                                      </p:to>
+                                    </p:set>
+                                    <p:animEffect transition="in" filter="fade">
+                                      <p:cBhvr>
+                                        <p:cTn id="33" dur="500"/>
+                                        <p:tgtEl>
+                                          <p:spTgt spid="4101"/>
+                                        </p:tgtEl>
+                                      </p:cBhvr>
+                                    </p:animEffect>
+                                  </p:childTnLst>
+                                </p:cTn>
+                              </p:par>
+                            </p:childTnLst>
+                          </p:cTn>
+                        </p:par>
+                      </p:childTnLst>
+                    </p:cTn>
+                  </p:par>
+                </p:childTnLst>
+              </p:cTn>
+              <p:prevCondLst>
+                <p:cond evt="onPrev" delay="0">
+                  <p:tgtEl>
+                    <p:sldTgt/>
+                  </p:tgtEl>
+                </p:cond>
+              </p:prevCondLst>
+              <p:nextCondLst>
+                <p:cond evt="onNext" delay="0">
+                  <p:tgtEl>
+                    <p:sldTgt/>
+                  </p:tgtEl>
+                </p:cond>
+              </p:nextCondLst>
+            </p:seq>
+          </p:childTnLst>
+        </p:cTn>
       </p:par>
     </p:tnLst>
+    <p:bldLst>
+      <p:bldP spid="3" grpId="0" build="p"/>
+    </p:bldLst>
   </p:timing>
 </p:sld>
 </file>
@@ -4697,7 +5881,222 @@
   <p:timing>
     <p:tnLst>
       <p:par>
-        <p:cTn id="1" dur="indefinite" restart="never" nodeType="tmRoot"/>
+        <p:cTn id="1" dur="indefinite" restart="never" nodeType="tmRoot">
+          <p:childTnLst>
+            <p:seq concurrent="1" nextAc="seek">
+              <p:cTn id="2" dur="indefinite" nodeType="mainSeq">
+                <p:childTnLst>
+                  <p:par>
+                    <p:cTn id="3" fill="hold">
+                      <p:stCondLst>
+                        <p:cond delay="indefinite"/>
+                      </p:stCondLst>
+                      <p:childTnLst>
+                        <p:par>
+                          <p:cTn id="4" fill="hold">
+                            <p:stCondLst>
+                              <p:cond delay="0"/>
+                            </p:stCondLst>
+                            <p:childTnLst>
+                              <p:par>
+                                <p:cTn id="5" presetID="10" presetClass="entr" presetSubtype="0" fill="hold" nodeType="clickEffect">
+                                  <p:stCondLst>
+                                    <p:cond delay="0"/>
+                                  </p:stCondLst>
+                                  <p:childTnLst>
+                                    <p:set>
+                                      <p:cBhvr>
+                                        <p:cTn id="6" dur="1" fill="hold">
+                                          <p:stCondLst>
+                                            <p:cond delay="0"/>
+                                          </p:stCondLst>
+                                        </p:cTn>
+                                        <p:tgtEl>
+                                          <p:spTgt spid="6">
+                                            <p:txEl>
+                                              <p:pRg st="0" end="0"/>
+                                            </p:txEl>
+                                          </p:spTgt>
+                                        </p:tgtEl>
+                                        <p:attrNameLst>
+                                          <p:attrName>style.visibility</p:attrName>
+                                        </p:attrNameLst>
+                                      </p:cBhvr>
+                                      <p:to>
+                                        <p:strVal val="visible"/>
+                                      </p:to>
+                                    </p:set>
+                                    <p:animEffect transition="in" filter="fade">
+                                      <p:cBhvr>
+                                        <p:cTn id="7" dur="500"/>
+                                        <p:tgtEl>
+                                          <p:spTgt spid="6">
+                                            <p:txEl>
+                                              <p:pRg st="0" end="0"/>
+                                            </p:txEl>
+                                          </p:spTgt>
+                                        </p:tgtEl>
+                                      </p:cBhvr>
+                                    </p:animEffect>
+                                  </p:childTnLst>
+                                </p:cTn>
+                              </p:par>
+                              <p:par>
+                                <p:cTn id="8" presetID="10" presetClass="entr" presetSubtype="0" fill="hold" nodeType="withEffect">
+                                  <p:stCondLst>
+                                    <p:cond delay="0"/>
+                                  </p:stCondLst>
+                                  <p:childTnLst>
+                                    <p:set>
+                                      <p:cBhvr>
+                                        <p:cTn id="9" dur="1" fill="hold">
+                                          <p:stCondLst>
+                                            <p:cond delay="0"/>
+                                          </p:stCondLst>
+                                        </p:cTn>
+                                        <p:tgtEl>
+                                          <p:spTgt spid="1026"/>
+                                        </p:tgtEl>
+                                        <p:attrNameLst>
+                                          <p:attrName>style.visibility</p:attrName>
+                                        </p:attrNameLst>
+                                      </p:cBhvr>
+                                      <p:to>
+                                        <p:strVal val="visible"/>
+                                      </p:to>
+                                    </p:set>
+                                    <p:animEffect transition="in" filter="fade">
+                                      <p:cBhvr>
+                                        <p:cTn id="10" dur="500"/>
+                                        <p:tgtEl>
+                                          <p:spTgt spid="1026"/>
+                                        </p:tgtEl>
+                                      </p:cBhvr>
+                                    </p:animEffect>
+                                  </p:childTnLst>
+                                </p:cTn>
+                              </p:par>
+                            </p:childTnLst>
+                          </p:cTn>
+                        </p:par>
+                      </p:childTnLst>
+                    </p:cTn>
+                  </p:par>
+                  <p:par>
+                    <p:cTn id="11" fill="hold">
+                      <p:stCondLst>
+                        <p:cond delay="indefinite"/>
+                      </p:stCondLst>
+                      <p:childTnLst>
+                        <p:par>
+                          <p:cTn id="12" fill="hold">
+                            <p:stCondLst>
+                              <p:cond delay="0"/>
+                            </p:stCondLst>
+                            <p:childTnLst>
+                              <p:par>
+                                <p:cTn id="13" presetID="10" presetClass="entr" presetSubtype="0" fill="hold" nodeType="clickEffect">
+                                  <p:stCondLst>
+                                    <p:cond delay="0"/>
+                                  </p:stCondLst>
+                                  <p:childTnLst>
+                                    <p:set>
+                                      <p:cBhvr>
+                                        <p:cTn id="14" dur="1" fill="hold">
+                                          <p:stCondLst>
+                                            <p:cond delay="0"/>
+                                          </p:stCondLst>
+                                        </p:cTn>
+                                        <p:tgtEl>
+                                          <p:spTgt spid="6">
+                                            <p:txEl>
+                                              <p:pRg st="5" end="5"/>
+                                            </p:txEl>
+                                          </p:spTgt>
+                                        </p:tgtEl>
+                                        <p:attrNameLst>
+                                          <p:attrName>style.visibility</p:attrName>
+                                        </p:attrNameLst>
+                                      </p:cBhvr>
+                                      <p:to>
+                                        <p:strVal val="visible"/>
+                                      </p:to>
+                                    </p:set>
+                                    <p:animEffect transition="in" filter="fade">
+                                      <p:cBhvr>
+                                        <p:cTn id="15" dur="500"/>
+                                        <p:tgtEl>
+                                          <p:spTgt spid="6">
+                                            <p:txEl>
+                                              <p:pRg st="5" end="5"/>
+                                            </p:txEl>
+                                          </p:spTgt>
+                                        </p:tgtEl>
+                                      </p:cBhvr>
+                                    </p:animEffect>
+                                  </p:childTnLst>
+                                </p:cTn>
+                              </p:par>
+                              <p:par>
+                                <p:cTn id="16" presetID="10" presetClass="entr" presetSubtype="0" fill="hold" nodeType="withEffect">
+                                  <p:stCondLst>
+                                    <p:cond delay="0"/>
+                                  </p:stCondLst>
+                                  <p:childTnLst>
+                                    <p:set>
+                                      <p:cBhvr>
+                                        <p:cTn id="17" dur="1" fill="hold">
+                                          <p:stCondLst>
+                                            <p:cond delay="0"/>
+                                          </p:stCondLst>
+                                        </p:cTn>
+                                        <p:tgtEl>
+                                          <p:spTgt spid="1027"/>
+                                        </p:tgtEl>
+                                        <p:attrNameLst>
+                                          <p:attrName>style.visibility</p:attrName>
+                                        </p:attrNameLst>
+                                      </p:cBhvr>
+                                      <p:to>
+                                        <p:strVal val="visible"/>
+                                      </p:to>
+                                    </p:set>
+                                    <p:animEffect transition="in" filter="fade">
+                                      <p:cBhvr>
+                                        <p:cTn id="18" dur="500"/>
+                                        <p:tgtEl>
+                                          <p:spTgt spid="1027"/>
+                                        </p:tgtEl>
+                                      </p:cBhvr>
+                                    </p:animEffect>
+                                  </p:childTnLst>
+                                </p:cTn>
+                              </p:par>
+                            </p:childTnLst>
+                          </p:cTn>
+                        </p:par>
+                      </p:childTnLst>
+                    </p:cTn>
+                  </p:par>
+                </p:childTnLst>
+              </p:cTn>
+              <p:prevCondLst>
+                <p:cond evt="onPrev" delay="0">
+                  <p:tgtEl>
+                    <p:sldTgt/>
+                  </p:tgtEl>
+                </p:cond>
+              </p:prevCondLst>
+              <p:nextCondLst>
+                <p:cond evt="onNext" delay="0">
+                  <p:tgtEl>
+                    <p:sldTgt/>
+                  </p:tgtEl>
+                </p:cond>
+              </p:nextCondLst>
+            </p:seq>
+          </p:childTnLst>
+        </p:cTn>
       </p:par>
     </p:tnLst>
   </p:timing>
@@ -5078,7 +6477,6 @@
               <a:rPr lang="fr-CH" dirty="0"/>
               <a:t> = −1,</a:t>
             </a:r>
-            <a:endParaRPr lang="fr-CH" dirty="0"/>
           </a:p>
         </p:txBody>
       </p:sp>
@@ -5095,9 +6493,299 @@
   <p:timing>
     <p:tnLst>
       <p:par>
-        <p:cTn id="1" dur="indefinite" restart="never" nodeType="tmRoot"/>
+        <p:cTn id="1" dur="indefinite" restart="never" nodeType="tmRoot">
+          <p:childTnLst>
+            <p:seq concurrent="1" nextAc="seek">
+              <p:cTn id="2" dur="indefinite" nodeType="mainSeq">
+                <p:childTnLst>
+                  <p:par>
+                    <p:cTn id="3" fill="hold">
+                      <p:stCondLst>
+                        <p:cond delay="indefinite"/>
+                      </p:stCondLst>
+                      <p:childTnLst>
+                        <p:par>
+                          <p:cTn id="4" fill="hold">
+                            <p:stCondLst>
+                              <p:cond delay="0"/>
+                            </p:stCondLst>
+                            <p:childTnLst>
+                              <p:par>
+                                <p:cTn id="5" presetID="10" presetClass="entr" presetSubtype="0" fill="hold" nodeType="clickEffect">
+                                  <p:stCondLst>
+                                    <p:cond delay="0"/>
+                                  </p:stCondLst>
+                                  <p:childTnLst>
+                                    <p:set>
+                                      <p:cBhvr>
+                                        <p:cTn id="6" dur="1" fill="hold">
+                                          <p:stCondLst>
+                                            <p:cond delay="0"/>
+                                          </p:stCondLst>
+                                        </p:cTn>
+                                        <p:tgtEl>
+                                          <p:spTgt spid="2050"/>
+                                        </p:tgtEl>
+                                        <p:attrNameLst>
+                                          <p:attrName>style.visibility</p:attrName>
+                                        </p:attrNameLst>
+                                      </p:cBhvr>
+                                      <p:to>
+                                        <p:strVal val="visible"/>
+                                      </p:to>
+                                    </p:set>
+                                    <p:animEffect transition="in" filter="fade">
+                                      <p:cBhvr>
+                                        <p:cTn id="7" dur="500"/>
+                                        <p:tgtEl>
+                                          <p:spTgt spid="2050"/>
+                                        </p:tgtEl>
+                                      </p:cBhvr>
+                                    </p:animEffect>
+                                  </p:childTnLst>
+                                </p:cTn>
+                              </p:par>
+                              <p:par>
+                                <p:cTn id="8" presetID="10" presetClass="entr" presetSubtype="0" fill="hold" nodeType="withEffect">
+                                  <p:stCondLst>
+                                    <p:cond delay="0"/>
+                                  </p:stCondLst>
+                                  <p:childTnLst>
+                                    <p:set>
+                                      <p:cBhvr>
+                                        <p:cTn id="9" dur="1" fill="hold">
+                                          <p:stCondLst>
+                                            <p:cond delay="0"/>
+                                          </p:stCondLst>
+                                        </p:cTn>
+                                        <p:tgtEl>
+                                          <p:spTgt spid="2052"/>
+                                        </p:tgtEl>
+                                        <p:attrNameLst>
+                                          <p:attrName>style.visibility</p:attrName>
+                                        </p:attrNameLst>
+                                      </p:cBhvr>
+                                      <p:to>
+                                        <p:strVal val="visible"/>
+                                      </p:to>
+                                    </p:set>
+                                    <p:animEffect transition="in" filter="fade">
+                                      <p:cBhvr>
+                                        <p:cTn id="10" dur="500"/>
+                                        <p:tgtEl>
+                                          <p:spTgt spid="2052"/>
+                                        </p:tgtEl>
+                                      </p:cBhvr>
+                                    </p:animEffect>
+                                  </p:childTnLst>
+                                </p:cTn>
+                              </p:par>
+                              <p:par>
+                                <p:cTn id="11" presetID="10" presetClass="entr" presetSubtype="0" fill="hold" grpId="0" nodeType="withEffect">
+                                  <p:stCondLst>
+                                    <p:cond delay="0"/>
+                                  </p:stCondLst>
+                                  <p:childTnLst>
+                                    <p:set>
+                                      <p:cBhvr>
+                                        <p:cTn id="12" dur="1" fill="hold">
+                                          <p:stCondLst>
+                                            <p:cond delay="0"/>
+                                          </p:stCondLst>
+                                        </p:cTn>
+                                        <p:tgtEl>
+                                          <p:spTgt spid="2">
+                                            <p:txEl>
+                                              <p:pRg st="0" end="0"/>
+                                            </p:txEl>
+                                          </p:spTgt>
+                                        </p:tgtEl>
+                                        <p:attrNameLst>
+                                          <p:attrName>style.visibility</p:attrName>
+                                        </p:attrNameLst>
+                                      </p:cBhvr>
+                                      <p:to>
+                                        <p:strVal val="visible"/>
+                                      </p:to>
+                                    </p:set>
+                                    <p:animEffect transition="in" filter="fade">
+                                      <p:cBhvr>
+                                        <p:cTn id="13" dur="500"/>
+                                        <p:tgtEl>
+                                          <p:spTgt spid="2">
+                                            <p:txEl>
+                                              <p:pRg st="0" end="0"/>
+                                            </p:txEl>
+                                          </p:spTgt>
+                                        </p:tgtEl>
+                                      </p:cBhvr>
+                                    </p:animEffect>
+                                  </p:childTnLst>
+                                </p:cTn>
+                              </p:par>
+                            </p:childTnLst>
+                          </p:cTn>
+                        </p:par>
+                      </p:childTnLst>
+                    </p:cTn>
+                  </p:par>
+                  <p:par>
+                    <p:cTn id="14" fill="hold">
+                      <p:stCondLst>
+                        <p:cond delay="indefinite"/>
+                      </p:stCondLst>
+                      <p:childTnLst>
+                        <p:par>
+                          <p:cTn id="15" fill="hold">
+                            <p:stCondLst>
+                              <p:cond delay="0"/>
+                            </p:stCondLst>
+                            <p:childTnLst>
+                              <p:par>
+                                <p:cTn id="16" presetID="10" presetClass="entr" presetSubtype="0" fill="hold" nodeType="clickEffect">
+                                  <p:stCondLst>
+                                    <p:cond delay="0"/>
+                                  </p:stCondLst>
+                                  <p:childTnLst>
+                                    <p:set>
+                                      <p:cBhvr>
+                                        <p:cTn id="17" dur="1" fill="hold">
+                                          <p:stCondLst>
+                                            <p:cond delay="0"/>
+                                          </p:stCondLst>
+                                        </p:cTn>
+                                        <p:tgtEl>
+                                          <p:spTgt spid="2053"/>
+                                        </p:tgtEl>
+                                        <p:attrNameLst>
+                                          <p:attrName>style.visibility</p:attrName>
+                                        </p:attrNameLst>
+                                      </p:cBhvr>
+                                      <p:to>
+                                        <p:strVal val="visible"/>
+                                      </p:to>
+                                    </p:set>
+                                    <p:animEffect transition="in" filter="fade">
+                                      <p:cBhvr>
+                                        <p:cTn id="18" dur="500"/>
+                                        <p:tgtEl>
+                                          <p:spTgt spid="2053"/>
+                                        </p:tgtEl>
+                                      </p:cBhvr>
+                                    </p:animEffect>
+                                  </p:childTnLst>
+                                </p:cTn>
+                              </p:par>
+                              <p:par>
+                                <p:cTn id="19" presetID="10" presetClass="entr" presetSubtype="0" fill="hold" grpId="0" nodeType="withEffect">
+                                  <p:stCondLst>
+                                    <p:cond delay="0"/>
+                                  </p:stCondLst>
+                                  <p:childTnLst>
+                                    <p:set>
+                                      <p:cBhvr>
+                                        <p:cTn id="20" dur="1" fill="hold">
+                                          <p:stCondLst>
+                                            <p:cond delay="0"/>
+                                          </p:stCondLst>
+                                        </p:cTn>
+                                        <p:tgtEl>
+                                          <p:spTgt spid="6">
+                                            <p:txEl>
+                                              <p:pRg st="0" end="0"/>
+                                            </p:txEl>
+                                          </p:spTgt>
+                                        </p:tgtEl>
+                                        <p:attrNameLst>
+                                          <p:attrName>style.visibility</p:attrName>
+                                        </p:attrNameLst>
+                                      </p:cBhvr>
+                                      <p:to>
+                                        <p:strVal val="visible"/>
+                                      </p:to>
+                                    </p:set>
+                                    <p:animEffect transition="in" filter="fade">
+                                      <p:cBhvr>
+                                        <p:cTn id="21" dur="500"/>
+                                        <p:tgtEl>
+                                          <p:spTgt spid="6">
+                                            <p:txEl>
+                                              <p:pRg st="0" end="0"/>
+                                            </p:txEl>
+                                          </p:spTgt>
+                                        </p:tgtEl>
+                                      </p:cBhvr>
+                                    </p:animEffect>
+                                  </p:childTnLst>
+                                </p:cTn>
+                              </p:par>
+                              <p:par>
+                                <p:cTn id="22" presetID="10" presetClass="entr" presetSubtype="0" fill="hold" grpId="0" nodeType="withEffect">
+                                  <p:stCondLst>
+                                    <p:cond delay="0"/>
+                                  </p:stCondLst>
+                                  <p:childTnLst>
+                                    <p:set>
+                                      <p:cBhvr>
+                                        <p:cTn id="23" dur="1" fill="hold">
+                                          <p:stCondLst>
+                                            <p:cond delay="0"/>
+                                          </p:stCondLst>
+                                        </p:cTn>
+                                        <p:tgtEl>
+                                          <p:spTgt spid="3"/>
+                                        </p:tgtEl>
+                                        <p:attrNameLst>
+                                          <p:attrName>style.visibility</p:attrName>
+                                        </p:attrNameLst>
+                                      </p:cBhvr>
+                                      <p:to>
+                                        <p:strVal val="visible"/>
+                                      </p:to>
+                                    </p:set>
+                                    <p:animEffect transition="in" filter="fade">
+                                      <p:cBhvr>
+                                        <p:cTn id="24" dur="500"/>
+                                        <p:tgtEl>
+                                          <p:spTgt spid="3"/>
+                                        </p:tgtEl>
+                                      </p:cBhvr>
+                                    </p:animEffect>
+                                  </p:childTnLst>
+                                </p:cTn>
+                              </p:par>
+                            </p:childTnLst>
+                          </p:cTn>
+                        </p:par>
+                      </p:childTnLst>
+                    </p:cTn>
+                  </p:par>
+                </p:childTnLst>
+              </p:cTn>
+              <p:prevCondLst>
+                <p:cond evt="onPrev" delay="0">
+                  <p:tgtEl>
+                    <p:sldTgt/>
+                  </p:tgtEl>
+                </p:cond>
+              </p:prevCondLst>
+              <p:nextCondLst>
+                <p:cond evt="onNext" delay="0">
+                  <p:tgtEl>
+                    <p:sldTgt/>
+                  </p:tgtEl>
+                </p:cond>
+              </p:nextCondLst>
+            </p:seq>
+          </p:childTnLst>
+        </p:cTn>
       </p:par>
     </p:tnLst>
+    <p:bldLst>
+      <p:bldP spid="6" grpId="0" build="p"/>
+      <p:bldP spid="2" grpId="0" build="p"/>
+      <p:bldP spid="3" grpId="0"/>
+    </p:bldLst>
   </p:timing>
 </p:sld>
 </file>
@@ -5375,7 +7063,403 @@
   <p:timing>
     <p:tnLst>
       <p:par>
-        <p:cTn id="1" dur="indefinite" restart="never" nodeType="tmRoot"/>
+        <p:cTn id="1" dur="indefinite" restart="never" nodeType="tmRoot">
+          <p:childTnLst>
+            <p:seq concurrent="1" nextAc="seek">
+              <p:cTn id="2" dur="indefinite" nodeType="mainSeq">
+                <p:childTnLst>
+                  <p:par>
+                    <p:cTn id="3" fill="hold">
+                      <p:stCondLst>
+                        <p:cond delay="indefinite"/>
+                      </p:stCondLst>
+                      <p:childTnLst>
+                        <p:par>
+                          <p:cTn id="4" fill="hold">
+                            <p:stCondLst>
+                              <p:cond delay="0"/>
+                            </p:stCondLst>
+                            <p:childTnLst>
+                              <p:par>
+                                <p:cTn id="5" presetID="10" presetClass="entr" presetSubtype="0" fill="hold" nodeType="clickEffect">
+                                  <p:stCondLst>
+                                    <p:cond delay="0"/>
+                                  </p:stCondLst>
+                                  <p:childTnLst>
+                                    <p:set>
+                                      <p:cBhvr>
+                                        <p:cTn id="6" dur="1" fill="hold">
+                                          <p:stCondLst>
+                                            <p:cond delay="0"/>
+                                          </p:stCondLst>
+                                        </p:cTn>
+                                        <p:tgtEl>
+                                          <p:spTgt spid="6">
+                                            <p:txEl>
+                                              <p:pRg st="0" end="0"/>
+                                            </p:txEl>
+                                          </p:spTgt>
+                                        </p:tgtEl>
+                                        <p:attrNameLst>
+                                          <p:attrName>style.visibility</p:attrName>
+                                        </p:attrNameLst>
+                                      </p:cBhvr>
+                                      <p:to>
+                                        <p:strVal val="visible"/>
+                                      </p:to>
+                                    </p:set>
+                                    <p:animEffect transition="in" filter="fade">
+                                      <p:cBhvr>
+                                        <p:cTn id="7" dur="500"/>
+                                        <p:tgtEl>
+                                          <p:spTgt spid="6">
+                                            <p:txEl>
+                                              <p:pRg st="0" end="0"/>
+                                            </p:txEl>
+                                          </p:spTgt>
+                                        </p:tgtEl>
+                                      </p:cBhvr>
+                                    </p:animEffect>
+                                  </p:childTnLst>
+                                </p:cTn>
+                              </p:par>
+                              <p:par>
+                                <p:cTn id="8" presetID="10" presetClass="entr" presetSubtype="0" fill="hold" nodeType="withEffect">
+                                  <p:stCondLst>
+                                    <p:cond delay="0"/>
+                                  </p:stCondLst>
+                                  <p:childTnLst>
+                                    <p:set>
+                                      <p:cBhvr>
+                                        <p:cTn id="9" dur="1" fill="hold">
+                                          <p:stCondLst>
+                                            <p:cond delay="0"/>
+                                          </p:stCondLst>
+                                        </p:cTn>
+                                        <p:tgtEl>
+                                          <p:spTgt spid="6">
+                                            <p:txEl>
+                                              <p:pRg st="1" end="1"/>
+                                            </p:txEl>
+                                          </p:spTgt>
+                                        </p:tgtEl>
+                                        <p:attrNameLst>
+                                          <p:attrName>style.visibility</p:attrName>
+                                        </p:attrNameLst>
+                                      </p:cBhvr>
+                                      <p:to>
+                                        <p:strVal val="visible"/>
+                                      </p:to>
+                                    </p:set>
+                                    <p:animEffect transition="in" filter="fade">
+                                      <p:cBhvr>
+                                        <p:cTn id="10" dur="500"/>
+                                        <p:tgtEl>
+                                          <p:spTgt spid="6">
+                                            <p:txEl>
+                                              <p:pRg st="1" end="1"/>
+                                            </p:txEl>
+                                          </p:spTgt>
+                                        </p:tgtEl>
+                                      </p:cBhvr>
+                                    </p:animEffect>
+                                  </p:childTnLst>
+                                </p:cTn>
+                              </p:par>
+                              <p:par>
+                                <p:cTn id="11" presetID="10" presetClass="entr" presetSubtype="0" fill="hold" nodeType="withEffect">
+                                  <p:stCondLst>
+                                    <p:cond delay="0"/>
+                                  </p:stCondLst>
+                                  <p:childTnLst>
+                                    <p:set>
+                                      <p:cBhvr>
+                                        <p:cTn id="12" dur="1" fill="hold">
+                                          <p:stCondLst>
+                                            <p:cond delay="0"/>
+                                          </p:stCondLst>
+                                        </p:cTn>
+                                        <p:tgtEl>
+                                          <p:spTgt spid="6">
+                                            <p:txEl>
+                                              <p:pRg st="2" end="2"/>
+                                            </p:txEl>
+                                          </p:spTgt>
+                                        </p:tgtEl>
+                                        <p:attrNameLst>
+                                          <p:attrName>style.visibility</p:attrName>
+                                        </p:attrNameLst>
+                                      </p:cBhvr>
+                                      <p:to>
+                                        <p:strVal val="visible"/>
+                                      </p:to>
+                                    </p:set>
+                                    <p:animEffect transition="in" filter="fade">
+                                      <p:cBhvr>
+                                        <p:cTn id="13" dur="500"/>
+                                        <p:tgtEl>
+                                          <p:spTgt spid="6">
+                                            <p:txEl>
+                                              <p:pRg st="2" end="2"/>
+                                            </p:txEl>
+                                          </p:spTgt>
+                                        </p:tgtEl>
+                                      </p:cBhvr>
+                                    </p:animEffect>
+                                  </p:childTnLst>
+                                </p:cTn>
+                              </p:par>
+                            </p:childTnLst>
+                          </p:cTn>
+                        </p:par>
+                      </p:childTnLst>
+                    </p:cTn>
+                  </p:par>
+                  <p:par>
+                    <p:cTn id="14" fill="hold">
+                      <p:stCondLst>
+                        <p:cond delay="indefinite"/>
+                      </p:stCondLst>
+                      <p:childTnLst>
+                        <p:par>
+                          <p:cTn id="15" fill="hold">
+                            <p:stCondLst>
+                              <p:cond delay="0"/>
+                            </p:stCondLst>
+                            <p:childTnLst>
+                              <p:par>
+                                <p:cTn id="16" presetID="10" presetClass="entr" presetSubtype="0" fill="hold" nodeType="clickEffect">
+                                  <p:stCondLst>
+                                    <p:cond delay="0"/>
+                                  </p:stCondLst>
+                                  <p:childTnLst>
+                                    <p:set>
+                                      <p:cBhvr>
+                                        <p:cTn id="17" dur="1" fill="hold">
+                                          <p:stCondLst>
+                                            <p:cond delay="0"/>
+                                          </p:stCondLst>
+                                        </p:cTn>
+                                        <p:tgtEl>
+                                          <p:spTgt spid="6">
+                                            <p:txEl>
+                                              <p:pRg st="3" end="3"/>
+                                            </p:txEl>
+                                          </p:spTgt>
+                                        </p:tgtEl>
+                                        <p:attrNameLst>
+                                          <p:attrName>style.visibility</p:attrName>
+                                        </p:attrNameLst>
+                                      </p:cBhvr>
+                                      <p:to>
+                                        <p:strVal val="visible"/>
+                                      </p:to>
+                                    </p:set>
+                                    <p:animEffect transition="in" filter="fade">
+                                      <p:cBhvr>
+                                        <p:cTn id="18" dur="500"/>
+                                        <p:tgtEl>
+                                          <p:spTgt spid="6">
+                                            <p:txEl>
+                                              <p:pRg st="3" end="3"/>
+                                            </p:txEl>
+                                          </p:spTgt>
+                                        </p:tgtEl>
+                                      </p:cBhvr>
+                                    </p:animEffect>
+                                  </p:childTnLst>
+                                </p:cTn>
+                              </p:par>
+                              <p:par>
+                                <p:cTn id="19" presetID="10" presetClass="entr" presetSubtype="0" fill="hold" nodeType="withEffect">
+                                  <p:stCondLst>
+                                    <p:cond delay="0"/>
+                                  </p:stCondLst>
+                                  <p:childTnLst>
+                                    <p:set>
+                                      <p:cBhvr>
+                                        <p:cTn id="20" dur="1" fill="hold">
+                                          <p:stCondLst>
+                                            <p:cond delay="0"/>
+                                          </p:stCondLst>
+                                        </p:cTn>
+                                        <p:tgtEl>
+                                          <p:spTgt spid="6">
+                                            <p:txEl>
+                                              <p:pRg st="4" end="4"/>
+                                            </p:txEl>
+                                          </p:spTgt>
+                                        </p:tgtEl>
+                                        <p:attrNameLst>
+                                          <p:attrName>style.visibility</p:attrName>
+                                        </p:attrNameLst>
+                                      </p:cBhvr>
+                                      <p:to>
+                                        <p:strVal val="visible"/>
+                                      </p:to>
+                                    </p:set>
+                                    <p:animEffect transition="in" filter="fade">
+                                      <p:cBhvr>
+                                        <p:cTn id="21" dur="500"/>
+                                        <p:tgtEl>
+                                          <p:spTgt spid="6">
+                                            <p:txEl>
+                                              <p:pRg st="4" end="4"/>
+                                            </p:txEl>
+                                          </p:spTgt>
+                                        </p:tgtEl>
+                                      </p:cBhvr>
+                                    </p:animEffect>
+                                  </p:childTnLst>
+                                </p:cTn>
+                              </p:par>
+                            </p:childTnLst>
+                          </p:cTn>
+                        </p:par>
+                      </p:childTnLst>
+                    </p:cTn>
+                  </p:par>
+                  <p:par>
+                    <p:cTn id="22" fill="hold">
+                      <p:stCondLst>
+                        <p:cond delay="indefinite"/>
+                      </p:stCondLst>
+                      <p:childTnLst>
+                        <p:par>
+                          <p:cTn id="23" fill="hold">
+                            <p:stCondLst>
+                              <p:cond delay="0"/>
+                            </p:stCondLst>
+                            <p:childTnLst>
+                              <p:par>
+                                <p:cTn id="24" presetID="10" presetClass="entr" presetSubtype="0" fill="hold" nodeType="clickEffect">
+                                  <p:stCondLst>
+                                    <p:cond delay="0"/>
+                                  </p:stCondLst>
+                                  <p:childTnLst>
+                                    <p:set>
+                                      <p:cBhvr>
+                                        <p:cTn id="25" dur="1" fill="hold">
+                                          <p:stCondLst>
+                                            <p:cond delay="0"/>
+                                          </p:stCondLst>
+                                        </p:cTn>
+                                        <p:tgtEl>
+                                          <p:spTgt spid="6">
+                                            <p:txEl>
+                                              <p:pRg st="5" end="5"/>
+                                            </p:txEl>
+                                          </p:spTgt>
+                                        </p:tgtEl>
+                                        <p:attrNameLst>
+                                          <p:attrName>style.visibility</p:attrName>
+                                        </p:attrNameLst>
+                                      </p:cBhvr>
+                                      <p:to>
+                                        <p:strVal val="visible"/>
+                                      </p:to>
+                                    </p:set>
+                                    <p:animEffect transition="in" filter="fade">
+                                      <p:cBhvr>
+                                        <p:cTn id="26" dur="500"/>
+                                        <p:tgtEl>
+                                          <p:spTgt spid="6">
+                                            <p:txEl>
+                                              <p:pRg st="5" end="5"/>
+                                            </p:txEl>
+                                          </p:spTgt>
+                                        </p:tgtEl>
+                                      </p:cBhvr>
+                                    </p:animEffect>
+                                  </p:childTnLst>
+                                </p:cTn>
+                              </p:par>
+                            </p:childTnLst>
+                          </p:cTn>
+                        </p:par>
+                      </p:childTnLst>
+                    </p:cTn>
+                  </p:par>
+                  <p:par>
+                    <p:cTn id="27" fill="hold">
+                      <p:stCondLst>
+                        <p:cond delay="indefinite"/>
+                      </p:stCondLst>
+                      <p:childTnLst>
+                        <p:par>
+                          <p:cTn id="28" fill="hold">
+                            <p:stCondLst>
+                              <p:cond delay="0"/>
+                            </p:stCondLst>
+                            <p:childTnLst>
+                              <p:par>
+                                <p:cTn id="29" presetID="10" presetClass="entr" presetSubtype="0" fill="hold" nodeType="clickEffect">
+                                  <p:stCondLst>
+                                    <p:cond delay="0"/>
+                                  </p:stCondLst>
+                                  <p:childTnLst>
+                                    <p:set>
+                                      <p:cBhvr>
+                                        <p:cTn id="30" dur="1" fill="hold">
+                                          <p:stCondLst>
+                                            <p:cond delay="0"/>
+                                          </p:stCondLst>
+                                        </p:cTn>
+                                        <p:tgtEl>
+                                          <p:spTgt spid="6">
+                                            <p:txEl>
+                                              <p:pRg st="6" end="6"/>
+                                            </p:txEl>
+                                          </p:spTgt>
+                                        </p:tgtEl>
+                                        <p:attrNameLst>
+                                          <p:attrName>style.visibility</p:attrName>
+                                        </p:attrNameLst>
+                                      </p:cBhvr>
+                                      <p:to>
+                                        <p:strVal val="visible"/>
+                                      </p:to>
+                                    </p:set>
+                                    <p:animEffect transition="in" filter="fade">
+                                      <p:cBhvr>
+                                        <p:cTn id="31" dur="500"/>
+                                        <p:tgtEl>
+                                          <p:spTgt spid="6">
+                                            <p:txEl>
+                                              <p:pRg st="6" end="6"/>
+                                            </p:txEl>
+                                          </p:spTgt>
+                                        </p:tgtEl>
+                                      </p:cBhvr>
+                                    </p:animEffect>
+                                  </p:childTnLst>
+                                </p:cTn>
+                              </p:par>
+                            </p:childTnLst>
+                          </p:cTn>
+                        </p:par>
+                      </p:childTnLst>
+                    </p:cTn>
+                  </p:par>
+                </p:childTnLst>
+              </p:cTn>
+              <p:prevCondLst>
+                <p:cond evt="onPrev" delay="0">
+                  <p:tgtEl>
+                    <p:sldTgt/>
+                  </p:tgtEl>
+                </p:cond>
+              </p:prevCondLst>
+              <p:nextCondLst>
+                <p:cond evt="onNext" delay="0">
+                  <p:tgtEl>
+                    <p:sldTgt/>
+                  </p:tgtEl>
+                </p:cond>
+              </p:nextCondLst>
+            </p:seq>
+          </p:childTnLst>
+        </p:cTn>
       </p:par>
     </p:tnLst>
   </p:timing>

--- a/Presentation/MatrixLite.pptx
+++ b/Presentation/MatrixLite.pptx
@@ -4466,7 +4466,6 @@
               <a:rPr lang="en-GB" dirty="0" smtClean="0"/>
               <a:t>Sources</a:t>
             </a:r>
-            <a:endParaRPr lang="en-GB" dirty="0" smtClean="0"/>
           </a:p>
           <a:p>
             <a:endParaRPr lang="en-GB" dirty="0" smtClean="0"/>
@@ -6122,7 +6121,7 @@
       </p:grpSpPr>
       <p:pic>
         <p:nvPicPr>
-          <p:cNvPr id="7" name="Picture 2" descr="C:\Users\karim.luy\He-ARC\INF2dlm-b\Projet P2 - Java\TurboSpin\Presentation\matrixrotated.png"/>
+          <p:cNvPr id="7" name="Picture 2"/>
           <p:cNvPicPr>
             <a:picLocks noChangeAspect="1" noChangeArrowheads="1"/>
           </p:cNvPicPr>
@@ -6136,15 +6135,14 @@
               </a:ext>
             </a:extLst>
           </a:blip>
-          <a:srcRect/>
           <a:stretch>
             <a:fillRect/>
           </a:stretch>
         </p:blipFill>
         <p:spPr bwMode="auto">
           <a:xfrm>
-            <a:off x="323528" y="548680"/>
-            <a:ext cx="8556800" cy="5885648"/>
+            <a:off x="1404864" y="548680"/>
+            <a:ext cx="6394127" cy="5885648"/>
           </a:xfrm>
           <a:prstGeom prst="rect">
             <a:avLst/>

--- a/Presentation/MatrixLite.pptx
+++ b/Presentation/MatrixLite.pptx
@@ -3607,42 +3607,42 @@
           <a:p>
             <a:r>
               <a:rPr lang="en-GB" dirty="0" smtClean="0">
-                <a:latin typeface="Berlin Sans FB" panose="020E0602020502020306" pitchFamily="34" charset="0"/>
+                <a:latin typeface="+mj-lt"/>
               </a:rPr>
               <a:t>Le </a:t>
             </a:r>
             <a:r>
               <a:rPr lang="en-GB" dirty="0" err="1" smtClean="0">
-                <a:latin typeface="Berlin Sans FB" panose="020E0602020502020306" pitchFamily="34" charset="0"/>
+                <a:latin typeface="+mj-lt"/>
               </a:rPr>
               <a:t>vraie</a:t>
             </a:r>
             <a:r>
               <a:rPr lang="en-GB" dirty="0" smtClean="0">
-                <a:latin typeface="Berlin Sans FB" panose="020E0602020502020306" pitchFamily="34" charset="0"/>
+                <a:latin typeface="+mj-lt"/>
               </a:rPr>
               <a:t> </a:t>
             </a:r>
             <a:r>
               <a:rPr lang="en-GB" dirty="0" err="1" smtClean="0">
-                <a:latin typeface="Berlin Sans FB" panose="020E0602020502020306" pitchFamily="34" charset="0"/>
+                <a:latin typeface="+mj-lt"/>
               </a:rPr>
               <a:t>probl</a:t>
             </a:r>
             <a:r>
               <a:rPr lang="fr-CH" dirty="0" smtClean="0">
-                <a:latin typeface="Berlin Sans FB" panose="020E0602020502020306" pitchFamily="34" charset="0"/>
+                <a:latin typeface="+mj-lt"/>
               </a:rPr>
               <a:t>è</a:t>
             </a:r>
             <a:r>
               <a:rPr lang="en-GB" dirty="0" smtClean="0">
-                <a:latin typeface="Berlin Sans FB" panose="020E0602020502020306" pitchFamily="34" charset="0"/>
+                <a:latin typeface="+mj-lt"/>
               </a:rPr>
               <a:t>me</a:t>
             </a:r>
             <a:endParaRPr lang="fr-CH" dirty="0">
-              <a:latin typeface="Berlin Sans FB" panose="020E0602020502020306" pitchFamily="34" charset="0"/>
+              <a:latin typeface="+mj-lt"/>
             </a:endParaRPr>
           </a:p>
         </p:txBody>
@@ -3799,58 +3799,12 @@
             </a:r>
             <a:r>
               <a:rPr lang="en-GB" dirty="0" smtClean="0"/>
-              <a:t> 3D </a:t>
-            </a:r>
-            <a:r>
-              <a:rPr lang="en-GB" dirty="0" err="1" smtClean="0"/>
-              <a:t>en</a:t>
+              <a:t> </a:t>
             </a:r>
             <a:r>
               <a:rPr lang="en-GB" dirty="0" smtClean="0"/>
-              <a:t> </a:t>
-            </a:r>
-            <a:r>
-              <a:rPr lang="en-GB" dirty="0" err="1" smtClean="0"/>
-              <a:t>partant</a:t>
-            </a:r>
-            <a:r>
-              <a:rPr lang="en-GB" dirty="0" smtClean="0"/>
-              <a:t> de 3 matrices </a:t>
-            </a:r>
-            <a:r>
-              <a:rPr lang="en-GB" dirty="0" err="1" smtClean="0"/>
-              <a:t>ou</a:t>
-            </a:r>
-            <a:r>
-              <a:rPr lang="en-GB" dirty="0" smtClean="0"/>
-              <a:t> d’un </a:t>
-            </a:r>
-            <a:r>
-              <a:rPr lang="en-GB" dirty="0" err="1" smtClean="0"/>
-              <a:t>nombre</a:t>
-            </a:r>
-            <a:r>
-              <a:rPr lang="en-GB" dirty="0" smtClean="0"/>
-              <a:t> </a:t>
-            </a:r>
-            <a:r>
-              <a:rPr lang="en-GB" dirty="0" err="1" smtClean="0"/>
-              <a:t>dit</a:t>
-            </a:r>
-            <a:r>
-              <a:rPr lang="en-GB" dirty="0" smtClean="0"/>
-              <a:t> hyper </a:t>
-            </a:r>
-            <a:r>
-              <a:rPr lang="en-GB" dirty="0" err="1" smtClean="0"/>
-              <a:t>complexe</a:t>
-            </a:r>
-            <a:r>
-              <a:rPr lang="en-GB" dirty="0" smtClean="0"/>
-              <a:t>?</a:t>
-            </a:r>
-          </a:p>
-          <a:p>
+              <a:t>3D?</a:t>
+            </a:r>
             <a:endParaRPr lang="fr-CH" dirty="0"/>
           </a:p>
         </p:txBody>
@@ -4332,13 +4286,13 @@
           <a:p>
             <a:r>
               <a:rPr lang="en-GB" dirty="0" err="1" smtClean="0">
-                <a:latin typeface="Berlin Sans FB Demi" panose="020E0802020502020306" pitchFamily="34" charset="0"/>
+                <a:latin typeface="Century Gothic" panose="020B0502020202020204" pitchFamily="34" charset="0"/>
                 <a:ea typeface="Adobe Heiti Std R" pitchFamily="34" charset="-128"/>
               </a:rPr>
               <a:t>Sommaire</a:t>
             </a:r>
             <a:endParaRPr lang="fr-CH" dirty="0">
-              <a:latin typeface="Berlin Sans FB Demi" panose="020E0802020502020306" pitchFamily="34" charset="0"/>
+              <a:latin typeface="Century Gothic" panose="020B0502020202020204" pitchFamily="34" charset="0"/>
               <a:ea typeface="Adobe Heiti Std R" pitchFamily="34" charset="-128"/>
             </a:endParaRPr>
           </a:p>
@@ -4529,48 +4483,48 @@
           <a:p>
             <a:r>
               <a:rPr lang="en-GB" dirty="0" smtClean="0">
-                <a:latin typeface="Berlin Sans FB Demi" panose="020E0802020502020306" pitchFamily="34" charset="0"/>
+                <a:latin typeface="Century Gothic" panose="020B0502020202020204" pitchFamily="34" charset="0"/>
                 <a:ea typeface="Adobe Heiti Std R" pitchFamily="34" charset="-128"/>
               </a:rPr>
               <a:t>Le </a:t>
             </a:r>
             <a:r>
               <a:rPr lang="en-GB" dirty="0" err="1" smtClean="0">
-                <a:latin typeface="Berlin Sans FB Demi" panose="020E0802020502020306" pitchFamily="34" charset="0"/>
+                <a:latin typeface="Century Gothic" panose="020B0502020202020204" pitchFamily="34" charset="0"/>
                 <a:ea typeface="Adobe Heiti Std R" pitchFamily="34" charset="-128"/>
               </a:rPr>
               <a:t>probl</a:t>
             </a:r>
             <a:r>
               <a:rPr lang="fr-CH" dirty="0" smtClean="0">
-                <a:latin typeface="Berlin Sans FB Demi" panose="020E0802020502020306" pitchFamily="34" charset="0"/>
+                <a:latin typeface="Century Gothic" panose="020B0502020202020204" pitchFamily="34" charset="0"/>
                 <a:ea typeface="Adobe Heiti Std R" pitchFamily="34" charset="-128"/>
               </a:rPr>
               <a:t>è</a:t>
             </a:r>
             <a:r>
               <a:rPr lang="en-GB" dirty="0" smtClean="0">
-                <a:latin typeface="Berlin Sans FB Demi" panose="020E0802020502020306" pitchFamily="34" charset="0"/>
+                <a:latin typeface="Century Gothic" panose="020B0502020202020204" pitchFamily="34" charset="0"/>
                 <a:ea typeface="Adobe Heiti Std R" pitchFamily="34" charset="-128"/>
               </a:rPr>
               <a:t>me: </a:t>
             </a:r>
             <a:r>
               <a:rPr lang="en-GB" dirty="0" err="1" smtClean="0">
-                <a:latin typeface="Berlin Sans FB Demi" panose="020E0802020502020306" pitchFamily="34" charset="0"/>
+                <a:latin typeface="Century Gothic" panose="020B0502020202020204" pitchFamily="34" charset="0"/>
                 <a:ea typeface="Adobe Heiti Std R" pitchFamily="34" charset="-128"/>
               </a:rPr>
               <a:t>en</a:t>
             </a:r>
             <a:r>
               <a:rPr lang="en-GB" dirty="0" smtClean="0">
-                <a:latin typeface="Berlin Sans FB Demi" panose="020E0802020502020306" pitchFamily="34" charset="0"/>
+                <a:latin typeface="Century Gothic" panose="020B0502020202020204" pitchFamily="34" charset="0"/>
                 <a:ea typeface="Adobe Heiti Std R" pitchFamily="34" charset="-128"/>
               </a:rPr>
               <a:t> 2D</a:t>
             </a:r>
             <a:endParaRPr lang="fr-CH" dirty="0">
-              <a:latin typeface="Berlin Sans FB Demi" panose="020E0802020502020306" pitchFamily="34" charset="0"/>
+              <a:latin typeface="Century Gothic" panose="020B0502020202020204" pitchFamily="34" charset="0"/>
               <a:ea typeface="Adobe Heiti Std R" pitchFamily="34" charset="-128"/>
             </a:endParaRPr>
           </a:p>
@@ -4724,48 +4678,48 @@
           <a:p>
             <a:r>
               <a:rPr lang="en-GB" dirty="0" smtClean="0">
-                <a:latin typeface="Berlin Sans FB Demi" panose="020E0802020502020306" pitchFamily="34" charset="0"/>
+                <a:latin typeface="Century Gothic" panose="020B0502020202020204" pitchFamily="34" charset="0"/>
                 <a:ea typeface="Adobe Heiti Std R" pitchFamily="34" charset="-128"/>
               </a:rPr>
               <a:t>Le </a:t>
             </a:r>
             <a:r>
               <a:rPr lang="en-GB" dirty="0" err="1" smtClean="0">
-                <a:latin typeface="Berlin Sans FB Demi" panose="020E0802020502020306" pitchFamily="34" charset="0"/>
+                <a:latin typeface="Century Gothic" panose="020B0502020202020204" pitchFamily="34" charset="0"/>
                 <a:ea typeface="Adobe Heiti Std R" pitchFamily="34" charset="-128"/>
               </a:rPr>
               <a:t>probl</a:t>
             </a:r>
             <a:r>
               <a:rPr lang="fr-CH" dirty="0" smtClean="0">
-                <a:latin typeface="Berlin Sans FB Demi" panose="020E0802020502020306" pitchFamily="34" charset="0"/>
+                <a:latin typeface="Century Gothic" panose="020B0502020202020204" pitchFamily="34" charset="0"/>
                 <a:ea typeface="Adobe Heiti Std R" pitchFamily="34" charset="-128"/>
               </a:rPr>
               <a:t>è</a:t>
             </a:r>
             <a:r>
               <a:rPr lang="en-GB" dirty="0" smtClean="0">
-                <a:latin typeface="Berlin Sans FB Demi" panose="020E0802020502020306" pitchFamily="34" charset="0"/>
+                <a:latin typeface="Century Gothic" panose="020B0502020202020204" pitchFamily="34" charset="0"/>
                 <a:ea typeface="Adobe Heiti Std R" pitchFamily="34" charset="-128"/>
               </a:rPr>
               <a:t>me: </a:t>
             </a:r>
             <a:r>
               <a:rPr lang="en-GB" dirty="0" err="1" smtClean="0">
-                <a:latin typeface="Berlin Sans FB Demi" panose="020E0802020502020306" pitchFamily="34" charset="0"/>
+                <a:latin typeface="Century Gothic" panose="020B0502020202020204" pitchFamily="34" charset="0"/>
                 <a:ea typeface="Adobe Heiti Std R" pitchFamily="34" charset="-128"/>
               </a:rPr>
               <a:t>en</a:t>
             </a:r>
             <a:r>
               <a:rPr lang="en-GB" dirty="0" smtClean="0">
-                <a:latin typeface="Berlin Sans FB Demi" panose="020E0802020502020306" pitchFamily="34" charset="0"/>
+                <a:latin typeface="Century Gothic" panose="020B0502020202020204" pitchFamily="34" charset="0"/>
                 <a:ea typeface="Adobe Heiti Std R" pitchFamily="34" charset="-128"/>
               </a:rPr>
               <a:t> 3D</a:t>
             </a:r>
             <a:endParaRPr lang="fr-CH" dirty="0">
-              <a:latin typeface="Berlin Sans FB Demi" panose="020E0802020502020306" pitchFamily="34" charset="0"/>
+              <a:latin typeface="Century Gothic" panose="020B0502020202020204" pitchFamily="34" charset="0"/>
               <a:ea typeface="Adobe Heiti Std R" pitchFamily="34" charset="-128"/>
             </a:endParaRPr>
           </a:p>
@@ -4925,18 +4879,18 @@
           <a:p>
             <a:r>
               <a:rPr lang="en-GB" dirty="0" smtClean="0">
-                <a:latin typeface="Berlin Sans FB Demi" panose="020E0802020502020306" pitchFamily="34" charset="0"/>
+                <a:latin typeface="Century Gothic" panose="020B0502020202020204" pitchFamily="34" charset="0"/>
               </a:rPr>
               <a:t>Les solutions </a:t>
             </a:r>
             <a:r>
               <a:rPr lang="en-GB" dirty="0" err="1" smtClean="0">
-                <a:latin typeface="Berlin Sans FB Demi" panose="020E0802020502020306" pitchFamily="34" charset="0"/>
+                <a:latin typeface="Century Gothic" panose="020B0502020202020204" pitchFamily="34" charset="0"/>
               </a:rPr>
               <a:t>mathematiques</a:t>
             </a:r>
             <a:endParaRPr lang="fr-CH" dirty="0">
-              <a:latin typeface="Berlin Sans FB Demi" panose="020E0802020502020306" pitchFamily="34" charset="0"/>
+              <a:latin typeface="Century Gothic" panose="020B0502020202020204" pitchFamily="34" charset="0"/>
             </a:endParaRPr>
           </a:p>
         </p:txBody>
@@ -5636,24 +5590,24 @@
           <a:p>
             <a:r>
               <a:rPr lang="en-GB" dirty="0" smtClean="0">
-                <a:latin typeface="Berlin Sans FB" panose="020E0602020502020306" pitchFamily="34" charset="0"/>
+                <a:latin typeface="Century Gothic" panose="020B0502020202020204" pitchFamily="34" charset="0"/>
               </a:rPr>
               <a:t>Les matrices </a:t>
             </a:r>
             <a:r>
               <a:rPr lang="en-GB" dirty="0" err="1" smtClean="0">
-                <a:latin typeface="Berlin Sans FB" panose="020E0602020502020306" pitchFamily="34" charset="0"/>
+                <a:latin typeface="Century Gothic" panose="020B0502020202020204" pitchFamily="34" charset="0"/>
               </a:rPr>
               <a:t>en</a:t>
             </a:r>
             <a:r>
               <a:rPr lang="en-GB" dirty="0" smtClean="0">
-                <a:latin typeface="Berlin Sans FB" panose="020E0602020502020306" pitchFamily="34" charset="0"/>
+                <a:latin typeface="Century Gothic" panose="020B0502020202020204" pitchFamily="34" charset="0"/>
               </a:rPr>
               <a:t> 3D</a:t>
             </a:r>
             <a:endParaRPr lang="fr-CH" dirty="0">
-              <a:latin typeface="Berlin Sans FB" panose="020E0602020502020306" pitchFamily="34" charset="0"/>
+              <a:latin typeface="Century Gothic" panose="020B0502020202020204" pitchFamily="34" charset="0"/>
             </a:endParaRPr>
           </a:p>
         </p:txBody>
@@ -6213,18 +6167,18 @@
           <a:p>
             <a:r>
               <a:rPr lang="en-GB" dirty="0" err="1" smtClean="0">
-                <a:latin typeface="Berlin Sans FB" panose="020E0602020502020306" pitchFamily="34" charset="0"/>
+                <a:latin typeface="Century Gothic" panose="020B0502020202020204" pitchFamily="34" charset="0"/>
               </a:rPr>
               <a:t>Nombres</a:t>
             </a:r>
             <a:r>
               <a:rPr lang="en-GB" dirty="0" smtClean="0">
-                <a:latin typeface="Berlin Sans FB" panose="020E0602020502020306" pitchFamily="34" charset="0"/>
+                <a:latin typeface="Century Gothic" panose="020B0502020202020204" pitchFamily="34" charset="0"/>
               </a:rPr>
               <a:t> Complexes</a:t>
             </a:r>
             <a:endParaRPr lang="fr-CH" dirty="0">
-              <a:latin typeface="Berlin Sans FB" panose="020E0602020502020306" pitchFamily="34" charset="0"/>
+              <a:latin typeface="Century Gothic" panose="020B0502020202020204" pitchFamily="34" charset="0"/>
             </a:endParaRPr>
           </a:p>
         </p:txBody>
@@ -6822,12 +6776,12 @@
           <a:p>
             <a:r>
               <a:rPr lang="en-GB" dirty="0" smtClean="0">
-                <a:latin typeface="Berlin Sans FB" panose="020E0602020502020306" pitchFamily="34" charset="0"/>
+                <a:latin typeface="Century Gothic" panose="020B0502020202020204" pitchFamily="34" charset="0"/>
               </a:rPr>
               <a:t>Quaternion</a:t>
             </a:r>
             <a:endParaRPr lang="fr-CH" dirty="0">
-              <a:latin typeface="Berlin Sans FB" panose="020E0602020502020306" pitchFamily="34" charset="0"/>
+              <a:latin typeface="Century Gothic" panose="020B0502020202020204" pitchFamily="34" charset="0"/>
             </a:endParaRPr>
           </a:p>
         </p:txBody>

--- a/Presentation/MatrixLite.pptx
+++ b/Presentation/MatrixLite.pptx
@@ -116,6 +116,22 @@
       </a:defRPr>
     </a:lvl9pPr>
   </p:defaultTextStyle>
+  <p:extLst>
+    <p:ext uri="{EFAFB233-063F-42B5-8137-9DF3F51BA10A}">
+      <p15:sldGuideLst xmlns:p15="http://schemas.microsoft.com/office/powerpoint/2012/main">
+        <p15:guide id="1" orient="horz" pos="2160">
+          <p15:clr>
+            <a:srgbClr val="A4A3A4"/>
+          </p15:clr>
+        </p15:guide>
+        <p15:guide id="2" pos="2880">
+          <p15:clr>
+            <a:srgbClr val="A4A3A4"/>
+          </p15:clr>
+        </p15:guide>
+      </p15:sldGuideLst>
+    </p:ext>
+  </p:extLst>
 </p:presentation>
 </file>
 
@@ -3615,7 +3631,7 @@
               <a:rPr lang="en-GB" dirty="0" err="1" smtClean="0">
                 <a:latin typeface="+mj-lt"/>
               </a:rPr>
-              <a:t>vraie</a:t>
+              <a:t>vrai</a:t>
             </a:r>
             <a:r>
               <a:rPr lang="en-GB" dirty="0" smtClean="0">
@@ -3690,7 +3706,7 @@
             </a:r>
             <a:r>
               <a:rPr lang="en-GB" dirty="0" err="1" smtClean="0"/>
-              <a:t>jolie</a:t>
+              <a:t>jolis</a:t>
             </a:r>
             <a:r>
               <a:rPr lang="en-GB" dirty="0" smtClean="0"/>
@@ -3721,7 +3737,7 @@
             </a:r>
             <a:r>
               <a:rPr lang="en-GB" dirty="0" err="1" smtClean="0"/>
-              <a:t>qu’es-ce</a:t>
+              <a:t>que</a:t>
             </a:r>
             <a:r>
               <a:rPr lang="en-GB" dirty="0" smtClean="0"/>
@@ -3729,7 +3745,7 @@
             </a:r>
             <a:r>
               <a:rPr lang="en-GB" dirty="0" err="1" smtClean="0"/>
-              <a:t>que</a:t>
+              <a:t>représentent</a:t>
             </a:r>
             <a:r>
               <a:rPr lang="en-GB" dirty="0" smtClean="0"/>
@@ -3745,29 +3761,26 @@
             </a:r>
             <a:r>
               <a:rPr lang="en-GB" dirty="0" err="1" smtClean="0"/>
-              <a:t>nombres</a:t>
+              <a:t>opérations</a:t>
+            </a:r>
+            <a:r>
+              <a:rPr lang="en-GB" dirty="0" smtClean="0"/>
+              <a:t>?</a:t>
+            </a:r>
+            <a:endParaRPr lang="en-GB" dirty="0" smtClean="0"/>
+          </a:p>
+          <a:p>
+            <a:r>
+              <a:rPr lang="en-GB" dirty="0" err="1" smtClean="0"/>
+              <a:t>Arrivez-vous</a:t>
             </a:r>
             <a:r>
               <a:rPr lang="en-GB" dirty="0" smtClean="0"/>
               <a:t> </a:t>
             </a:r>
             <a:r>
-              <a:rPr lang="en-GB" dirty="0" err="1" smtClean="0"/>
-              <a:t>representent</a:t>
-            </a:r>
-            <a:r>
               <a:rPr lang="en-GB" dirty="0" smtClean="0"/>
-              <a:t>?</a:t>
-            </a:r>
-          </a:p>
-          <a:p>
-            <a:r>
-              <a:rPr lang="en-GB" dirty="0" err="1" smtClean="0"/>
-              <a:t>Arrivez-vous</a:t>
-            </a:r>
-            <a:r>
-              <a:rPr lang="en-GB" dirty="0" smtClean="0"/>
-              <a:t> a </a:t>
+              <a:t>à </a:t>
             </a:r>
             <a:r>
               <a:rPr lang="en-GB" dirty="0" err="1" smtClean="0"/>
@@ -3779,7 +3792,7 @@
             </a:r>
             <a:r>
               <a:rPr lang="en-GB" dirty="0" err="1" smtClean="0"/>
-              <a:t>representer</a:t>
+              <a:t>représenter</a:t>
             </a:r>
             <a:r>
               <a:rPr lang="en-GB" dirty="0" smtClean="0"/>
@@ -3791,19 +3804,7 @@
             </a:r>
             <a:r>
               <a:rPr lang="en-GB" dirty="0" smtClean="0"/>
-              <a:t> rotation </a:t>
-            </a:r>
-            <a:r>
-              <a:rPr lang="en-GB" dirty="0" err="1" smtClean="0"/>
-              <a:t>en</a:t>
-            </a:r>
-            <a:r>
-              <a:rPr lang="en-GB" dirty="0" smtClean="0"/>
-              <a:t> </a:t>
-            </a:r>
-            <a:r>
-              <a:rPr lang="en-GB" dirty="0" smtClean="0"/>
-              <a:t>3D?</a:t>
+              <a:t> rotation en 3D?</a:t>
             </a:r>
             <a:endParaRPr lang="fr-CH" dirty="0"/>
           </a:p>
@@ -3868,12 +3869,12 @@
           <a:p>
             <a:r>
               <a:rPr lang="en-GB" dirty="0" smtClean="0">
-                <a:latin typeface="Berlin Sans FB" panose="020E0602020502020306" pitchFamily="34" charset="0"/>
+                <a:latin typeface="+mj-lt"/>
               </a:rPr>
               <a:t>Notre solution</a:t>
             </a:r>
             <a:endParaRPr lang="fr-CH" dirty="0">
-              <a:latin typeface="Berlin Sans FB" panose="020E0602020502020306" pitchFamily="34" charset="0"/>
+              <a:latin typeface="+mj-lt"/>
             </a:endParaRPr>
           </a:p>
         </p:txBody>
@@ -3932,12 +3933,12 @@
           <a:p>
             <a:r>
               <a:rPr lang="en-GB" dirty="0" smtClean="0">
-                <a:latin typeface="Berlin Sans FB" panose="020E0602020502020306" pitchFamily="34" charset="0"/>
+                <a:latin typeface="+mj-lt"/>
               </a:rPr>
               <a:t>Sources</a:t>
             </a:r>
             <a:endParaRPr lang="fr-CH" dirty="0">
-              <a:latin typeface="Berlin Sans FB" panose="020E0602020502020306" pitchFamily="34" charset="0"/>
+              <a:latin typeface="+mj-lt"/>
             </a:endParaRPr>
           </a:p>
         </p:txBody>
@@ -4319,7 +4320,7 @@
             </a:r>
             <a:r>
               <a:rPr lang="en-GB" dirty="0" err="1" smtClean="0"/>
-              <a:t>probleme</a:t>
+              <a:t>problème</a:t>
             </a:r>
             <a:endParaRPr lang="en-GB" dirty="0" smtClean="0"/>
           </a:p>
@@ -4348,11 +4349,11 @@
           <a:p>
             <a:r>
               <a:rPr lang="en-GB" dirty="0" smtClean="0"/>
-              <a:t>Les solutions math</a:t>
-            </a:r>
-            <a:r>
-              <a:rPr lang="fr-CH" dirty="0" smtClean="0"/>
-              <a:t>é</a:t>
+              <a:t>Les solutions </a:t>
+            </a:r>
+            <a:r>
+              <a:rPr lang="fr-CH" dirty="0" err="1" smtClean="0"/>
+              <a:t>mathé</a:t>
             </a:r>
             <a:r>
               <a:rPr lang="en-GB" dirty="0" err="1" smtClean="0"/>
@@ -4377,11 +4378,15 @@
           <a:p>
             <a:r>
               <a:rPr lang="en-GB" dirty="0" err="1" smtClean="0"/>
-              <a:t>Nombre</a:t>
+              <a:t>Nombres</a:t>
             </a:r>
             <a:r>
               <a:rPr lang="en-GB" dirty="0" smtClean="0"/>
-              <a:t> complexes</a:t>
+              <a:t> </a:t>
+            </a:r>
+            <a:r>
+              <a:rPr lang="en-GB" dirty="0" smtClean="0"/>
+              <a:t>complexes</a:t>
             </a:r>
           </a:p>
           <a:p>
@@ -4405,7 +4410,7 @@
             </a:r>
             <a:r>
               <a:rPr lang="en-GB" dirty="0" err="1" smtClean="0"/>
-              <a:t>probleme</a:t>
+              <a:t>problème</a:t>
             </a:r>
             <a:endParaRPr lang="en-GB" dirty="0" smtClean="0"/>
           </a:p>
@@ -4887,7 +4892,7 @@
               <a:rPr lang="en-GB" dirty="0" err="1" smtClean="0">
                 <a:latin typeface="Century Gothic" panose="020B0502020202020204" pitchFamily="34" charset="0"/>
               </a:rPr>
-              <a:t>mathematiques</a:t>
+              <a:t>mathématiques</a:t>
             </a:r>
             <a:endParaRPr lang="fr-CH" dirty="0">
               <a:latin typeface="Century Gothic" panose="020B0502020202020204" pitchFamily="34" charset="0"/>
@@ -5649,27 +5654,11 @@
             </a:r>
             <a:r>
               <a:rPr lang="en-GB" dirty="0" smtClean="0"/>
-              <a:t> le plan don’t </a:t>
-            </a:r>
-            <a:r>
-              <a:rPr lang="en-GB" dirty="0" err="1" smtClean="0"/>
-              <a:t>il</a:t>
+              <a:t> le plan </a:t>
             </a:r>
             <a:r>
               <a:rPr lang="en-GB" dirty="0" smtClean="0"/>
-              <a:t> </a:t>
-            </a:r>
-            <a:r>
-              <a:rPr lang="en-GB" dirty="0" err="1" smtClean="0"/>
-              <a:t>est</a:t>
-            </a:r>
-            <a:r>
-              <a:rPr lang="en-GB" dirty="0" smtClean="0"/>
-              <a:t> </a:t>
-            </a:r>
-            <a:r>
-              <a:rPr lang="en-GB" dirty="0" err="1" smtClean="0"/>
-              <a:t>normale</a:t>
+              <a:t>normal</a:t>
             </a:r>
             <a:endParaRPr lang="en-GB" dirty="0" smtClean="0"/>
           </a:p>
@@ -6236,7 +6225,7 @@
           <a:p>
             <a:r>
               <a:rPr lang="en-GB" dirty="0" err="1" smtClean="0"/>
-              <a:t>Rapelle</a:t>
+              <a:t>Rapel</a:t>
             </a:r>
             <a:endParaRPr lang="en-GB" dirty="0"/>
           </a:p>
@@ -6802,12 +6791,8 @@
           <a:lstStyle/>
           <a:p>
             <a:r>
-              <a:rPr lang="en-GB" dirty="0" smtClean="0"/>
-              <a:t>Est un </a:t>
-            </a:r>
-            <a:r>
               <a:rPr lang="en-GB" dirty="0" err="1" smtClean="0"/>
-              <a:t>nombre</a:t>
+              <a:t>Nombre</a:t>
             </a:r>
             <a:r>
               <a:rPr lang="en-GB" dirty="0" smtClean="0"/>
@@ -6817,14 +6802,7 @@
               <a:rPr lang="en-GB" dirty="0" err="1" smtClean="0"/>
               <a:t>complexe</a:t>
             </a:r>
-            <a:r>
-              <a:rPr lang="en-GB" dirty="0" smtClean="0"/>
-              <a:t> compos</a:t>
-            </a:r>
-            <a:r>
-              <a:rPr lang="fr-CH" dirty="0" smtClean="0"/>
-              <a:t>é de</a:t>
-            </a:r>
+            <a:endParaRPr lang="fr-CH" dirty="0" smtClean="0"/>
           </a:p>
           <a:p>
             <a:pPr lvl="1"/>
@@ -6846,7 +6824,7 @@
             </a:r>
             <a:r>
               <a:rPr lang="en-GB" dirty="0" err="1" smtClean="0"/>
-              <a:t>imaginaire</a:t>
+              <a:t>imaginaires</a:t>
             </a:r>
             <a:r>
               <a:rPr lang="en-GB" dirty="0" smtClean="0"/>
@@ -6872,11 +6850,15 @@
             </a:r>
             <a:r>
               <a:rPr lang="en-GB" dirty="0" err="1" smtClean="0"/>
-              <a:t>cet</a:t>
+              <a:t>cette</a:t>
             </a:r>
             <a:r>
               <a:rPr lang="en-GB" dirty="0" smtClean="0"/>
-              <a:t> unit</a:t>
+              <a:t> </a:t>
+            </a:r>
+            <a:r>
+              <a:rPr lang="en-GB" dirty="0" smtClean="0"/>
+              <a:t>unit</a:t>
             </a:r>
             <a:r>
               <a:rPr lang="fr-CH" dirty="0" smtClean="0"/>
@@ -6908,16 +6890,17 @@
             </a:r>
             <a:r>
               <a:rPr lang="fr-CH" dirty="0" smtClean="0"/>
-              <a:t>er deux matrices prend plus de calcul que multiplier un objet </a:t>
-            </a:r>
-            <a:r>
-              <a:rPr lang="fr-CH" dirty="0" err="1" smtClean="0"/>
-              <a:t>mathematique</a:t>
+              <a:t>er deux matrices </a:t>
+            </a:r>
+            <a:r>
+              <a:rPr lang="fr-CH" dirty="0"/>
+              <a:t> </a:t>
             </a:r>
             <a:r>
               <a:rPr lang="fr-CH" dirty="0" smtClean="0"/>
-              <a:t> et un nombre complexe/quaternion</a:t>
-            </a:r>
+              <a:t>&lt;  Multiplier nombres complexes</a:t>
+            </a:r>
+            <a:endParaRPr lang="fr-CH" dirty="0" smtClean="0"/>
           </a:p>
           <a:p>
             <a:r>
@@ -6945,19 +6928,23 @@
               <a:t> d’un axe </a:t>
             </a:r>
             <a:r>
+              <a:rPr lang="en-GB" dirty="0" smtClean="0"/>
+              <a:t>précis</a:t>
+            </a:r>
+            <a:endParaRPr lang="en-GB" dirty="0" smtClean="0"/>
+          </a:p>
+          <a:p>
+            <a:r>
               <a:rPr lang="en-GB" dirty="0" err="1" smtClean="0"/>
-              <a:t>precis</a:t>
-            </a:r>
-            <a:endParaRPr lang="en-GB" dirty="0" smtClean="0"/>
-          </a:p>
-          <a:p>
-            <a:r>
-              <a:rPr lang="en-GB" dirty="0" err="1" smtClean="0"/>
-              <a:t>Moin</a:t>
+              <a:t>Moins</a:t>
             </a:r>
             <a:r>
               <a:rPr lang="en-GB" dirty="0" smtClean="0"/>
-              <a:t> de </a:t>
+              <a:t> </a:t>
+            </a:r>
+            <a:r>
+              <a:rPr lang="en-GB" dirty="0" smtClean="0"/>
+              <a:t>de </a:t>
             </a:r>
             <a:r>
               <a:rPr lang="en-GB" dirty="0" err="1" smtClean="0"/>
@@ -6977,7 +6964,7 @@
             </a:r>
             <a:r>
               <a:rPr lang="en-GB" dirty="0" err="1" smtClean="0"/>
-              <a:t>moin</a:t>
+              <a:t>moins</a:t>
             </a:r>
             <a:r>
               <a:rPr lang="en-GB" dirty="0" smtClean="0"/>
@@ -6985,7 +6972,7 @@
             </a:r>
             <a:r>
               <a:rPr lang="en-GB" dirty="0" err="1" smtClean="0"/>
-              <a:t>d’etapes</a:t>
+              <a:t>d’étapes</a:t>
             </a:r>
             <a:r>
               <a:rPr lang="en-GB" dirty="0" smtClean="0"/>
@@ -6993,7 +6980,7 @@
             </a:r>
             <a:r>
               <a:rPr lang="en-GB" dirty="0" err="1" smtClean="0"/>
-              <a:t>intermediaire</a:t>
+              <a:t>intermédiaires</a:t>
             </a:r>
             <a:endParaRPr lang="fr-CH" dirty="0" smtClean="0"/>
           </a:p>

--- a/Presentation/MatrixLite.pptx
+++ b/Presentation/MatrixLite.pptx
@@ -327,7 +327,7 @@
           <a:p>
             <a:fld id="{767575F8-456D-4538-84B0-9ABF919D76D2}" type="datetimeFigureOut">
               <a:rPr lang="fr-CH" smtClean="0"/>
-              <a:t>07.06.2015</a:t>
+              <a:t>08.06.2015</a:t>
             </a:fld>
             <a:endParaRPr lang="fr-CH"/>
           </a:p>
@@ -492,7 +492,7 @@
           <a:p>
             <a:fld id="{767575F8-456D-4538-84B0-9ABF919D76D2}" type="datetimeFigureOut">
               <a:rPr lang="fr-CH" smtClean="0"/>
-              <a:t>07.06.2015</a:t>
+              <a:t>08.06.2015</a:t>
             </a:fld>
             <a:endParaRPr lang="fr-CH"/>
           </a:p>
@@ -667,7 +667,7 @@
           <a:p>
             <a:fld id="{767575F8-456D-4538-84B0-9ABF919D76D2}" type="datetimeFigureOut">
               <a:rPr lang="fr-CH" smtClean="0"/>
-              <a:t>07.06.2015</a:t>
+              <a:t>08.06.2015</a:t>
             </a:fld>
             <a:endParaRPr lang="fr-CH"/>
           </a:p>
@@ -850,7 +850,7 @@
           <a:p>
             <a:fld id="{767575F8-456D-4538-84B0-9ABF919D76D2}" type="datetimeFigureOut">
               <a:rPr lang="fr-CH" smtClean="0"/>
-              <a:t>07.06.2015</a:t>
+              <a:t>08.06.2015</a:t>
             </a:fld>
             <a:endParaRPr lang="fr-CH"/>
           </a:p>
@@ -1112,7 +1112,7 @@
           <a:p>
             <a:fld id="{767575F8-456D-4538-84B0-9ABF919D76D2}" type="datetimeFigureOut">
               <a:rPr lang="fr-CH" smtClean="0"/>
-              <a:t>07.06.2015</a:t>
+              <a:t>08.06.2015</a:t>
             </a:fld>
             <a:endParaRPr lang="fr-CH"/>
           </a:p>
@@ -1460,7 +1460,7 @@
           <a:p>
             <a:fld id="{767575F8-456D-4538-84B0-9ABF919D76D2}" type="datetimeFigureOut">
               <a:rPr lang="fr-CH" smtClean="0"/>
-              <a:t>07.06.2015</a:t>
+              <a:t>08.06.2015</a:t>
             </a:fld>
             <a:endParaRPr lang="fr-CH"/>
           </a:p>
@@ -1768,7 +1768,7 @@
           <a:p>
             <a:fld id="{767575F8-456D-4538-84B0-9ABF919D76D2}" type="datetimeFigureOut">
               <a:rPr lang="fr-CH" smtClean="0"/>
-              <a:t>07.06.2015</a:t>
+              <a:t>08.06.2015</a:t>
             </a:fld>
             <a:endParaRPr lang="fr-CH"/>
           </a:p>
@@ -1995,7 +1995,7 @@
           <a:p>
             <a:fld id="{767575F8-456D-4538-84B0-9ABF919D76D2}" type="datetimeFigureOut">
               <a:rPr lang="fr-CH" smtClean="0"/>
-              <a:t>07.06.2015</a:t>
+              <a:t>08.06.2015</a:t>
             </a:fld>
             <a:endParaRPr lang="fr-CH"/>
           </a:p>
@@ -2085,7 +2085,7 @@
           <a:p>
             <a:fld id="{767575F8-456D-4538-84B0-9ABF919D76D2}" type="datetimeFigureOut">
               <a:rPr lang="fr-CH" smtClean="0"/>
-              <a:t>07.06.2015</a:t>
+              <a:t>08.06.2015</a:t>
             </a:fld>
             <a:endParaRPr lang="fr-CH"/>
           </a:p>
@@ -2373,7 +2373,7 @@
           <a:p>
             <a:fld id="{767575F8-456D-4538-84B0-9ABF919D76D2}" type="datetimeFigureOut">
               <a:rPr lang="fr-CH" smtClean="0"/>
-              <a:t>07.06.2015</a:t>
+              <a:t>08.06.2015</a:t>
             </a:fld>
             <a:endParaRPr lang="fr-CH"/>
           </a:p>
@@ -2642,7 +2642,7 @@
           <a:p>
             <a:fld id="{767575F8-456D-4538-84B0-9ABF919D76D2}" type="datetimeFigureOut">
               <a:rPr lang="fr-CH" smtClean="0"/>
-              <a:t>07.06.2015</a:t>
+              <a:t>08.06.2015</a:t>
             </a:fld>
             <a:endParaRPr lang="fr-CH"/>
           </a:p>
@@ -2852,7 +2852,7 @@
           <a:p>
             <a:fld id="{767575F8-456D-4538-84B0-9ABF919D76D2}" type="datetimeFigureOut">
               <a:rPr lang="fr-CH" smtClean="0"/>
-              <a:t>07.06.2015</a:t>
+              <a:t>08.06.2015</a:t>
             </a:fld>
             <a:endParaRPr lang="fr-CH"/>
           </a:p>
@@ -3767,7 +3767,6 @@
               <a:rPr lang="en-GB" dirty="0" smtClean="0"/>
               <a:t>?</a:t>
             </a:r>
-            <a:endParaRPr lang="en-GB" dirty="0" smtClean="0"/>
           </a:p>
           <a:p>
             <a:r>
@@ -3776,11 +3775,7 @@
             </a:r>
             <a:r>
               <a:rPr lang="en-GB" dirty="0" smtClean="0"/>
-              <a:t> </a:t>
-            </a:r>
-            <a:r>
-              <a:rPr lang="en-GB" dirty="0" smtClean="0"/>
-              <a:t>à </a:t>
+              <a:t> à </a:t>
             </a:r>
             <a:r>
               <a:rPr lang="en-GB" dirty="0" err="1" smtClean="0"/>
@@ -4362,6 +4357,7 @@
             <a:endParaRPr lang="en-GB" dirty="0" smtClean="0"/>
           </a:p>
           <a:p>
+            <a:pPr lvl="1"/>
             <a:r>
               <a:rPr lang="en-GB" dirty="0" smtClean="0"/>
               <a:t>Les matrices </a:t>
@@ -4376,20 +4372,18 @@
             </a:r>
           </a:p>
           <a:p>
+            <a:pPr lvl="1"/>
             <a:r>
               <a:rPr lang="en-GB" dirty="0" err="1" smtClean="0"/>
               <a:t>Nombres</a:t>
             </a:r>
             <a:r>
               <a:rPr lang="en-GB" dirty="0" smtClean="0"/>
-              <a:t> </a:t>
-            </a:r>
-            <a:r>
-              <a:rPr lang="en-GB" dirty="0" smtClean="0"/>
-              <a:t>complexes</a:t>
-            </a:r>
-          </a:p>
-          <a:p>
+              <a:t> complexes</a:t>
+            </a:r>
+          </a:p>
+          <a:p>
+            <a:pPr lvl="1"/>
             <a:r>
               <a:rPr lang="en-GB" dirty="0" smtClean="0"/>
               <a:t>Quaternions</a:t>
@@ -5654,13 +5648,8 @@
             </a:r>
             <a:r>
               <a:rPr lang="en-GB" dirty="0" smtClean="0"/>
-              <a:t> le plan </a:t>
-            </a:r>
-            <a:r>
-              <a:rPr lang="en-GB" dirty="0" smtClean="0"/>
-              <a:t>normal</a:t>
-            </a:r>
-            <a:endParaRPr lang="en-GB" dirty="0" smtClean="0"/>
+              <a:t> le plan normal</a:t>
+            </a:r>
           </a:p>
           <a:p>
             <a:endParaRPr lang="en-GB" dirty="0"/>
@@ -6224,8 +6213,8 @@
           <a:lstStyle/>
           <a:p>
             <a:r>
-              <a:rPr lang="en-GB" dirty="0" err="1" smtClean="0"/>
-              <a:t>Rapel</a:t>
+              <a:rPr lang="en-GB" dirty="0" smtClean="0"/>
+              <a:t>Rappel</a:t>
             </a:r>
             <a:endParaRPr lang="en-GB" dirty="0"/>
           </a:p>
@@ -6854,11 +6843,7 @@
             </a:r>
             <a:r>
               <a:rPr lang="en-GB" dirty="0" smtClean="0"/>
-              <a:t> </a:t>
-            </a:r>
-            <a:r>
-              <a:rPr lang="en-GB" dirty="0" smtClean="0"/>
-              <a:t>unit</a:t>
+              <a:t> unit</a:t>
             </a:r>
             <a:r>
               <a:rPr lang="fr-CH" dirty="0" smtClean="0"/>
@@ -6900,7 +6885,6 @@
               <a:rPr lang="fr-CH" dirty="0" smtClean="0"/>
               <a:t>&lt;  Multiplier nombres complexes</a:t>
             </a:r>
-            <a:endParaRPr lang="fr-CH" dirty="0" smtClean="0"/>
           </a:p>
           <a:p>
             <a:r>
@@ -6925,13 +6909,8 @@
             </a:r>
             <a:r>
               <a:rPr lang="en-GB" dirty="0" smtClean="0"/>
-              <a:t> d’un axe </a:t>
-            </a:r>
-            <a:r>
-              <a:rPr lang="en-GB" dirty="0" smtClean="0"/>
-              <a:t>précis</a:t>
-            </a:r>
-            <a:endParaRPr lang="en-GB" dirty="0" smtClean="0"/>
+              <a:t> d’un axe précis</a:t>
+            </a:r>
           </a:p>
           <a:p>
             <a:r>
@@ -6940,11 +6919,7 @@
             </a:r>
             <a:r>
               <a:rPr lang="en-GB" dirty="0" smtClean="0"/>
-              <a:t> </a:t>
-            </a:r>
-            <a:r>
-              <a:rPr lang="en-GB" dirty="0" smtClean="0"/>
-              <a:t>de </a:t>
+              <a:t> de </a:t>
             </a:r>
             <a:r>
               <a:rPr lang="en-GB" dirty="0" err="1" smtClean="0"/>

--- a/Presentation/MatrixLite.pptx
+++ b/Presentation/MatrixLite.pptx
@@ -118,7 +118,7 @@
   </p:defaultTextStyle>
   <p:extLst>
     <p:ext uri="{EFAFB233-063F-42B5-8137-9DF3F51BA10A}">
-      <p15:sldGuideLst xmlns:p15="http://schemas.microsoft.com/office/powerpoint/2012/main">
+      <p15:sldGuideLst xmlns:p15="http://schemas.microsoft.com/office/powerpoint/2012/main" xmlns="">
         <p15:guide id="1" orient="horz" pos="2160">
           <p15:clr>
             <a:srgbClr val="A4A3A4"/>
@@ -5740,7 +5740,7 @@
         </p:blipFill>
         <p:spPr bwMode="auto">
           <a:xfrm>
-            <a:off x="899592" y="2852936"/>
+            <a:off x="899592" y="2564904"/>
             <a:ext cx="7619999" cy="895350"/>
           </a:xfrm>
           <a:prstGeom prst="rect">
@@ -5781,7 +5781,7 @@
         </p:blipFill>
         <p:spPr bwMode="auto">
           <a:xfrm>
-            <a:off x="3052762" y="5365080"/>
+            <a:off x="3052762" y="5157192"/>
             <a:ext cx="2819400" cy="584200"/>
           </a:xfrm>
           <a:prstGeom prst="rect">

--- a/Presentation/MatrixLite.pptx
+++ b/Presentation/MatrixLite.pptx
@@ -6410,6 +6410,159 @@
           </a:p>
         </p:txBody>
       </p:sp>
+      <mc:AlternateContent xmlns:mc="http://schemas.openxmlformats.org/markup-compatibility/2006" xmlns:a14="http://schemas.microsoft.com/office/drawing/2010/main">
+        <mc:Choice Requires="a14">
+          <p:sp>
+            <p:nvSpPr>
+              <p:cNvPr id="4" name="ZoneTexte 3"/>
+              <p:cNvSpPr txBox="1"/>
+              <p:nvPr/>
+            </p:nvSpPr>
+            <p:spPr>
+              <a:xfrm>
+                <a:off x="1647039" y="5699144"/>
+                <a:ext cx="1244693" cy="381451"/>
+              </a:xfrm>
+              <a:prstGeom prst="rect">
+                <a:avLst/>
+              </a:prstGeom>
+              <a:noFill/>
+            </p:spPr>
+            <p:txBody>
+              <a:bodyPr wrap="square" rtlCol="0">
+                <a:spAutoFit/>
+              </a:bodyPr>
+              <a:lstStyle/>
+              <a:p>
+                <a:pPr/>
+                <a14:m>
+                  <m:oMathPara xmlns:m="http://schemas.openxmlformats.org/officeDocument/2006/math">
+                    <m:oMathParaPr>
+                      <m:jc m:val="centerGroup"/>
+                    </m:oMathParaPr>
+                    <m:oMath xmlns:m="http://schemas.openxmlformats.org/officeDocument/2006/math">
+                      <m:sSup>
+                        <m:sSupPr>
+                          <m:ctrlPr>
+                            <a:rPr lang="en-GB" b="0" i="1" smtClean="0">
+                              <a:latin typeface="Cambria Math"/>
+                            </a:rPr>
+                          </m:ctrlPr>
+                        </m:sSupPr>
+                        <m:e>
+                          <m:r>
+                            <a:rPr lang="en-GB" b="0" i="1" smtClean="0">
+                              <a:latin typeface="Cambria Math"/>
+                            </a:rPr>
+                            <m:t>𝑧</m:t>
+                          </m:r>
+                        </m:e>
+                        <m:sup>
+                          <m:r>
+                            <a:rPr lang="en-GB" b="0" i="1" smtClean="0">
+                              <a:latin typeface="Cambria Math"/>
+                            </a:rPr>
+                            <m:t>′</m:t>
+                          </m:r>
+                        </m:sup>
+                      </m:sSup>
+                      <m:r>
+                        <a:rPr lang="en-GB" b="0" i="1" smtClean="0">
+                          <a:latin typeface="Cambria Math"/>
+                        </a:rPr>
+                        <m:t>=</m:t>
+                      </m:r>
+                      <m:r>
+                        <a:rPr lang="en-GB" b="0" i="1" smtClean="0">
+                          <a:latin typeface="Cambria Math"/>
+                        </a:rPr>
+                        <m:t>𝑧</m:t>
+                      </m:r>
+                      <m:r>
+                        <a:rPr lang="en-GB" b="0" i="1" smtClean="0">
+                          <a:latin typeface="Cambria Math"/>
+                        </a:rPr>
+                        <m:t> </m:t>
+                      </m:r>
+                      <m:sSup>
+                        <m:sSupPr>
+                          <m:ctrlPr>
+                            <a:rPr lang="en-GB" b="0" i="1" smtClean="0">
+                              <a:latin typeface="Cambria Math"/>
+                            </a:rPr>
+                          </m:ctrlPr>
+                        </m:sSupPr>
+                        <m:e>
+                          <m:r>
+                            <a:rPr lang="en-GB" b="0" i="1" smtClean="0">
+                              <a:latin typeface="Cambria Math"/>
+                            </a:rPr>
+                            <m:t>𝑒</m:t>
+                          </m:r>
+                        </m:e>
+                        <m:sup>
+                          <m:r>
+                            <a:rPr lang="en-GB" b="0" i="1" smtClean="0">
+                              <a:latin typeface="Cambria Math"/>
+                            </a:rPr>
+                            <m:t>𝑖</m:t>
+                          </m:r>
+                          <m:r>
+                            <a:rPr lang="en-GB" b="0" i="1" smtClean="0">
+                              <a:latin typeface="Cambria Math"/>
+                              <a:ea typeface="Cambria Math"/>
+                            </a:rPr>
+                            <m:t>𝜃</m:t>
+                          </m:r>
+                        </m:sup>
+                      </m:sSup>
+                    </m:oMath>
+                  </m:oMathPara>
+                </a14:m>
+                <a:endParaRPr lang="fr-CH" dirty="0"/>
+              </a:p>
+            </p:txBody>
+          </p:sp>
+        </mc:Choice>
+        <mc:Fallback xmlns="">
+          <p:sp>
+            <p:nvSpPr>
+              <p:cNvPr id="4" name="ZoneTexte 3"/>
+              <p:cNvSpPr txBox="1">
+                <a:spLocks noRot="1" noChangeAspect="1" noMove="1" noResize="1" noEditPoints="1" noAdjustHandles="1" noChangeArrowheads="1" noChangeShapeType="1" noTextEdit="1"/>
+              </p:cNvSpPr>
+              <p:nvPr/>
+            </p:nvSpPr>
+            <p:spPr>
+              <a:xfrm>
+                <a:off x="1647039" y="5699144"/>
+                <a:ext cx="1244693" cy="381451"/>
+              </a:xfrm>
+              <a:prstGeom prst="rect">
+                <a:avLst/>
+              </a:prstGeom>
+              <a:blipFill rotWithShape="1">
+                <a:blip r:embed="rId5"/>
+                <a:stretch>
+                  <a:fillRect/>
+                </a:stretch>
+              </a:blipFill>
+            </p:spPr>
+            <p:txBody>
+              <a:bodyPr/>
+              <a:lstStyle/>
+              <a:p>
+                <a:r>
+                  <a:rPr lang="fr-CH">
+                    <a:noFill/>
+                  </a:rPr>
+                  <a:t> </a:t>
+                </a:r>
+              </a:p>
+            </p:txBody>
+          </p:sp>
+        </mc:Fallback>
+      </mc:AlternateContent>
     </p:spTree>
     <p:extLst>
       <p:ext uri="{BB962C8B-B14F-4D97-AF65-F5344CB8AC3E}">
@@ -6553,6 +6706,41 @@
                                   </p:childTnLst>
                                 </p:cTn>
                               </p:par>
+                              <p:par>
+                                <p:cTn id="14" presetID="10" presetClass="entr" presetSubtype="0" fill="hold" grpId="0" nodeType="withEffect">
+                                  <p:stCondLst>
+                                    <p:cond delay="0"/>
+                                  </p:stCondLst>
+                                  <p:childTnLst>
+                                    <p:set>
+                                      <p:cBhvr>
+                                        <p:cTn id="15" dur="1" fill="hold">
+                                          <p:stCondLst>
+                                            <p:cond delay="0"/>
+                                          </p:stCondLst>
+                                        </p:cTn>
+                                        <p:tgtEl>
+                                          <p:spTgt spid="4"/>
+                                        </p:tgtEl>
+                                        <p:attrNameLst>
+                                          <p:attrName>style.visibility</p:attrName>
+                                        </p:attrNameLst>
+                                      </p:cBhvr>
+                                      <p:to>
+                                        <p:strVal val="visible"/>
+                                      </p:to>
+                                    </p:set>
+                                    <p:animEffect transition="in" filter="fade">
+                                      <p:cBhvr>
+                                        <p:cTn id="16" dur="500"/>
+                                        <p:tgtEl>
+                                          <p:spTgt spid="4"/>
+                                        </p:tgtEl>
+                                      </p:cBhvr>
+                                    </p:animEffect>
+                                  </p:childTnLst>
+                                </p:cTn>
+                              </p:par>
                             </p:childTnLst>
                           </p:cTn>
                         </p:par>
@@ -6560,26 +6748,26 @@
                     </p:cTn>
                   </p:par>
                   <p:par>
-                    <p:cTn id="14" fill="hold">
+                    <p:cTn id="17" fill="hold">
                       <p:stCondLst>
                         <p:cond delay="indefinite"/>
                       </p:stCondLst>
                       <p:childTnLst>
                         <p:par>
-                          <p:cTn id="15" fill="hold">
+                          <p:cTn id="18" fill="hold">
                             <p:stCondLst>
                               <p:cond delay="0"/>
                             </p:stCondLst>
                             <p:childTnLst>
                               <p:par>
-                                <p:cTn id="16" presetID="10" presetClass="entr" presetSubtype="0" fill="hold" nodeType="clickEffect">
+                                <p:cTn id="19" presetID="10" presetClass="entr" presetSubtype="0" fill="hold" nodeType="clickEffect">
                                   <p:stCondLst>
                                     <p:cond delay="0"/>
                                   </p:stCondLst>
                                   <p:childTnLst>
                                     <p:set>
                                       <p:cBhvr>
-                                        <p:cTn id="17" dur="1" fill="hold">
+                                        <p:cTn id="20" dur="1" fill="hold">
                                           <p:stCondLst>
                                             <p:cond delay="0"/>
                                           </p:stCondLst>
@@ -6597,7 +6785,7 @@
                                     </p:set>
                                     <p:animEffect transition="in" filter="fade">
                                       <p:cBhvr>
-                                        <p:cTn id="18" dur="500"/>
+                                        <p:cTn id="21" dur="500"/>
                                         <p:tgtEl>
                                           <p:spTgt spid="2053"/>
                                         </p:tgtEl>
@@ -6607,14 +6795,14 @@
                                 </p:cTn>
                               </p:par>
                               <p:par>
-                                <p:cTn id="19" presetID="10" presetClass="entr" presetSubtype="0" fill="hold" grpId="0" nodeType="withEffect">
+                                <p:cTn id="22" presetID="10" presetClass="entr" presetSubtype="0" fill="hold" grpId="0" nodeType="withEffect">
                                   <p:stCondLst>
                                     <p:cond delay="0"/>
                                   </p:stCondLst>
                                   <p:childTnLst>
                                     <p:set>
                                       <p:cBhvr>
-                                        <p:cTn id="20" dur="1" fill="hold">
+                                        <p:cTn id="23" dur="1" fill="hold">
                                           <p:stCondLst>
                                             <p:cond delay="0"/>
                                           </p:stCondLst>
@@ -6636,7 +6824,7 @@
                                     </p:set>
                                     <p:animEffect transition="in" filter="fade">
                                       <p:cBhvr>
-                                        <p:cTn id="21" dur="500"/>
+                                        <p:cTn id="24" dur="500"/>
                                         <p:tgtEl>
                                           <p:spTgt spid="6">
                                             <p:txEl>
@@ -6650,14 +6838,14 @@
                                 </p:cTn>
                               </p:par>
                               <p:par>
-                                <p:cTn id="22" presetID="10" presetClass="entr" presetSubtype="0" fill="hold" grpId="0" nodeType="withEffect">
+                                <p:cTn id="25" presetID="10" presetClass="entr" presetSubtype="0" fill="hold" grpId="0" nodeType="withEffect">
                                   <p:stCondLst>
                                     <p:cond delay="0"/>
                                   </p:stCondLst>
                                   <p:childTnLst>
                                     <p:set>
                                       <p:cBhvr>
-                                        <p:cTn id="23" dur="1" fill="hold">
+                                        <p:cTn id="26" dur="1" fill="hold">
                                           <p:stCondLst>
                                             <p:cond delay="0"/>
                                           </p:stCondLst>
@@ -6675,7 +6863,7 @@
                                     </p:set>
                                     <p:animEffect transition="in" filter="fade">
                                       <p:cBhvr>
-                                        <p:cTn id="24" dur="500"/>
+                                        <p:cTn id="27" dur="500"/>
                                         <p:tgtEl>
                                           <p:spTgt spid="3"/>
                                         </p:tgtEl>
@@ -6715,6 +6903,7 @@
       <p:bldP spid="6" grpId="0" build="p"/>
       <p:bldP spid="2" grpId="0" build="p"/>
       <p:bldP spid="3" grpId="0"/>
+      <p:bldP spid="4" grpId="0"/>
     </p:bldLst>
   </p:timing>
 </p:sld>
@@ -6914,24 +7103,12 @@
           </a:p>
           <a:p>
             <a:r>
+              <a:rPr lang="en-GB" dirty="0" err="1"/>
+              <a:t>M</a:t>
+            </a:r>
+            <a:r>
               <a:rPr lang="en-GB" dirty="0" err="1" smtClean="0"/>
-              <a:t>Moins</a:t>
-            </a:r>
-            <a:r>
-              <a:rPr lang="en-GB" dirty="0" smtClean="0"/>
-              <a:t> de </a:t>
-            </a:r>
-            <a:r>
-              <a:rPr lang="en-GB" dirty="0" err="1" smtClean="0"/>
-              <a:t>calculs</a:t>
-            </a:r>
-            <a:r>
-              <a:rPr lang="en-GB" dirty="0" smtClean="0"/>
-              <a:t>, </a:t>
-            </a:r>
-            <a:r>
-              <a:rPr lang="en-GB" dirty="0" err="1" smtClean="0"/>
-              <a:t>donc</a:t>
+              <a:t>oins</a:t>
             </a:r>
             <a:r>
               <a:rPr lang="en-GB" dirty="0" smtClean="0"/>
@@ -6939,7 +7116,7 @@
             </a:r>
             <a:r>
               <a:rPr lang="en-GB" dirty="0" err="1" smtClean="0"/>
-              <a:t>moins</a:t>
+              <a:t>d’étapes</a:t>
             </a:r>
             <a:r>
               <a:rPr lang="en-GB" dirty="0" smtClean="0"/>
@@ -6947,14 +7124,6 @@
             </a:r>
             <a:r>
               <a:rPr lang="en-GB" dirty="0" err="1" smtClean="0"/>
-              <a:t>d’étapes</a:t>
-            </a:r>
-            <a:r>
-              <a:rPr lang="en-GB" dirty="0" smtClean="0"/>
-              <a:t> </a:t>
-            </a:r>
-            <a:r>
-              <a:rPr lang="en-GB" dirty="0" err="1" smtClean="0"/>
               <a:t>intermédiaires</a:t>
             </a:r>
             <a:endParaRPr lang="fr-CH" dirty="0" smtClean="0"/>
@@ -6964,6 +7133,357 @@
           </a:p>
         </p:txBody>
       </p:sp>
+      <mc:AlternateContent xmlns:mc="http://schemas.openxmlformats.org/markup-compatibility/2006">
+        <mc:Choice xmlns:a14="http://schemas.microsoft.com/office/drawing/2010/main" Requires="a14">
+          <p:sp>
+            <p:nvSpPr>
+              <p:cNvPr id="2" name="ZoneTexte 1"/>
+              <p:cNvSpPr txBox="1"/>
+              <p:nvPr/>
+            </p:nvSpPr>
+            <p:spPr>
+              <a:xfrm>
+                <a:off x="2267744" y="4941168"/>
+                <a:ext cx="4848828" cy="991682"/>
+              </a:xfrm>
+              <a:prstGeom prst="rect">
+                <a:avLst/>
+              </a:prstGeom>
+              <a:noFill/>
+            </p:spPr>
+            <p:txBody>
+              <a:bodyPr wrap="none" rtlCol="0">
+                <a:spAutoFit/>
+              </a:bodyPr>
+              <a:lstStyle/>
+              <a:p>
+                <a14:m>
+                  <m:oMathPara xmlns:m="http://schemas.openxmlformats.org/officeDocument/2006/math">
+                    <m:oMathParaPr>
+                      <m:jc m:val="centerGroup"/>
+                    </m:oMathParaPr>
+                    <m:oMath xmlns:m="http://schemas.openxmlformats.org/officeDocument/2006/math">
+                      <m:sSup>
+                        <m:sSupPr>
+                          <m:ctrlPr>
+                            <a:rPr lang="en-GB" b="0" i="1" smtClean="0">
+                              <a:latin typeface="Cambria Math"/>
+                            </a:rPr>
+                          </m:ctrlPr>
+                        </m:sSupPr>
+                        <m:e>
+                          <m:r>
+                            <a:rPr lang="en-GB" b="0" i="1" smtClean="0">
+                              <a:latin typeface="Cambria Math"/>
+                            </a:rPr>
+                            <m:t>𝑝</m:t>
+                          </m:r>
+                        </m:e>
+                        <m:sup>
+                          <m:r>
+                            <a:rPr lang="en-GB" b="0" i="1" smtClean="0">
+                              <a:latin typeface="Cambria Math"/>
+                            </a:rPr>
+                            <m:t>′</m:t>
+                          </m:r>
+                        </m:sup>
+                      </m:sSup>
+                      <m:r>
+                        <a:rPr lang="en-GB" b="0" i="1" smtClean="0">
+                          <a:latin typeface="Cambria Math"/>
+                        </a:rPr>
+                        <m:t>=</m:t>
+                      </m:r>
+                      <m:r>
+                        <a:rPr lang="en-GB" b="0" i="1" smtClean="0">
+                          <a:latin typeface="Cambria Math"/>
+                        </a:rPr>
+                        <m:t>𝑞</m:t>
+                      </m:r>
+                      <m:r>
+                        <a:rPr lang="en-GB" b="0" i="1" smtClean="0">
+                          <a:latin typeface="Cambria Math"/>
+                        </a:rPr>
+                        <m:t> </m:t>
+                      </m:r>
+                      <m:r>
+                        <a:rPr lang="en-GB" b="0" i="1" smtClean="0">
+                          <a:latin typeface="Cambria Math"/>
+                        </a:rPr>
+                        <m:t>𝑝</m:t>
+                      </m:r>
+                      <m:r>
+                        <a:rPr lang="en-GB" b="0" i="1" smtClean="0">
+                          <a:latin typeface="Cambria Math"/>
+                        </a:rPr>
+                        <m:t> </m:t>
+                      </m:r>
+                      <m:sSup>
+                        <m:sSupPr>
+                          <m:ctrlPr>
+                            <a:rPr lang="en-GB" b="0" i="1" smtClean="0">
+                              <a:latin typeface="Cambria Math"/>
+                            </a:rPr>
+                          </m:ctrlPr>
+                        </m:sSupPr>
+                        <m:e>
+                          <m:r>
+                            <a:rPr lang="en-GB" b="0" i="1" smtClean="0">
+                              <a:latin typeface="Cambria Math"/>
+                            </a:rPr>
+                            <m:t>𝑞</m:t>
+                          </m:r>
+                        </m:e>
+                        <m:sup>
+                          <m:r>
+                            <a:rPr lang="en-GB" b="0" i="1" smtClean="0">
+                              <a:latin typeface="Cambria Math"/>
+                            </a:rPr>
+                            <m:t>−1</m:t>
+                          </m:r>
+                        </m:sup>
+                      </m:sSup>
+                      <m:r>
+                        <a:rPr lang="en-GB" b="0" i="1" smtClean="0">
+                          <a:latin typeface="Cambria Math"/>
+                        </a:rPr>
+                        <m:t> </m:t>
+                      </m:r>
+                      <m:r>
+                        <a:rPr lang="en-GB" b="0" i="1" smtClean="0">
+                          <a:latin typeface="Cambria Math"/>
+                        </a:rPr>
+                        <m:t>𝑎𝑣𝑒𝑐</m:t>
+                      </m:r>
+                      <m:r>
+                        <a:rPr lang="en-GB" b="0" i="1" smtClean="0">
+                          <a:latin typeface="Cambria Math"/>
+                        </a:rPr>
+                        <m:t> </m:t>
+                      </m:r>
+                      <m:r>
+                        <a:rPr lang="en-GB" b="0" i="1" smtClean="0">
+                          <a:latin typeface="Cambria Math"/>
+                        </a:rPr>
+                        <m:t>𝑞</m:t>
+                      </m:r>
+                      <m:r>
+                        <a:rPr lang="en-GB" b="0" i="1" smtClean="0">
+                          <a:latin typeface="Cambria Math"/>
+                        </a:rPr>
+                        <m:t>=(</m:t>
+                      </m:r>
+                      <m:func>
+                        <m:funcPr>
+                          <m:ctrlPr>
+                            <a:rPr lang="en-GB" b="0" i="1" smtClean="0">
+                              <a:latin typeface="Cambria Math"/>
+                            </a:rPr>
+                          </m:ctrlPr>
+                        </m:funcPr>
+                        <m:fName>
+                          <m:r>
+                            <m:rPr>
+                              <m:sty m:val="p"/>
+                            </m:rPr>
+                            <a:rPr lang="en-GB" b="0" i="0" smtClean="0">
+                              <a:latin typeface="Cambria Math"/>
+                            </a:rPr>
+                            <m:t>cos</m:t>
+                          </m:r>
+                        </m:fName>
+                        <m:e>
+                          <m:d>
+                            <m:dPr>
+                              <m:ctrlPr>
+                                <a:rPr lang="en-GB" b="0" i="1" smtClean="0">
+                                  <a:latin typeface="Cambria Math"/>
+                                </a:rPr>
+                              </m:ctrlPr>
+                            </m:dPr>
+                            <m:e>
+                              <m:f>
+                                <m:fPr>
+                                  <m:ctrlPr>
+                                    <a:rPr lang="en-GB" b="0" i="1" smtClean="0">
+                                      <a:latin typeface="Cambria Math"/>
+                                    </a:rPr>
+                                  </m:ctrlPr>
+                                </m:fPr>
+                                <m:num>
+                                  <m:r>
+                                    <a:rPr lang="en-GB" b="0" i="1" smtClean="0">
+                                      <a:latin typeface="Cambria Math"/>
+                                    </a:rPr>
+                                    <m:t>1</m:t>
+                                  </m:r>
+                                </m:num>
+                                <m:den>
+                                  <m:r>
+                                    <a:rPr lang="en-GB" b="0" i="1" smtClean="0">
+                                      <a:latin typeface="Cambria Math"/>
+                                    </a:rPr>
+                                    <m:t>2</m:t>
+                                  </m:r>
+                                </m:den>
+                              </m:f>
+                              <m:r>
+                                <a:rPr lang="en-GB" b="0" i="1" smtClean="0">
+                                  <a:latin typeface="Cambria Math"/>
+                                  <a:ea typeface="Cambria Math"/>
+                                </a:rPr>
+                                <m:t>𝜃</m:t>
+                              </m:r>
+                            </m:e>
+                          </m:d>
+                        </m:e>
+                      </m:func>
+                      <m:r>
+                        <a:rPr lang="en-GB" b="0" i="1" smtClean="0">
+                          <a:latin typeface="Cambria Math"/>
+                          <a:ea typeface="Cambria Math"/>
+                        </a:rPr>
+                        <m:t>, </m:t>
+                      </m:r>
+                      <m:r>
+                        <a:rPr lang="en-GB" b="1" i="1" smtClean="0">
+                          <a:latin typeface="Cambria Math"/>
+                          <a:ea typeface="Cambria Math"/>
+                        </a:rPr>
+                        <m:t>𝒗</m:t>
+                      </m:r>
+                      <m:func>
+                        <m:funcPr>
+                          <m:ctrlPr>
+                            <a:rPr lang="en-GB" b="0" i="1" smtClean="0">
+                              <a:latin typeface="Cambria Math"/>
+                              <a:ea typeface="Cambria Math"/>
+                            </a:rPr>
+                          </m:ctrlPr>
+                        </m:funcPr>
+                        <m:fName>
+                          <m:r>
+                            <m:rPr>
+                              <m:sty m:val="p"/>
+                            </m:rPr>
+                            <a:rPr lang="en-GB" b="0" i="0" smtClean="0">
+                              <a:latin typeface="Cambria Math"/>
+                              <a:ea typeface="Cambria Math"/>
+                            </a:rPr>
+                            <m:t>sin</m:t>
+                          </m:r>
+                        </m:fName>
+                        <m:e>
+                          <m:d>
+                            <m:dPr>
+                              <m:ctrlPr>
+                                <a:rPr lang="en-GB" b="0" i="1" smtClean="0">
+                                  <a:latin typeface="Cambria Math"/>
+                                  <a:ea typeface="Cambria Math"/>
+                                </a:rPr>
+                              </m:ctrlPr>
+                            </m:dPr>
+                            <m:e>
+                              <m:f>
+                                <m:fPr>
+                                  <m:ctrlPr>
+                                    <a:rPr lang="en-GB" b="0" i="1" smtClean="0">
+                                      <a:latin typeface="Cambria Math"/>
+                                      <a:ea typeface="Cambria Math"/>
+                                    </a:rPr>
+                                  </m:ctrlPr>
+                                </m:fPr>
+                                <m:num>
+                                  <m:r>
+                                    <a:rPr lang="en-GB" b="0" i="1" smtClean="0">
+                                      <a:latin typeface="Cambria Math"/>
+                                      <a:ea typeface="Cambria Math"/>
+                                    </a:rPr>
+                                    <m:t>1</m:t>
+                                  </m:r>
+                                </m:num>
+                                <m:den>
+                                  <m:r>
+                                    <a:rPr lang="en-GB" b="0" i="1" smtClean="0">
+                                      <a:latin typeface="Cambria Math"/>
+                                      <a:ea typeface="Cambria Math"/>
+                                    </a:rPr>
+                                    <m:t>2</m:t>
+                                  </m:r>
+                                </m:den>
+                              </m:f>
+                              <m:r>
+                                <a:rPr lang="en-GB" b="0" i="1" smtClean="0">
+                                  <a:latin typeface="Cambria Math"/>
+                                  <a:ea typeface="Cambria Math"/>
+                                </a:rPr>
+                                <m:t>𝜃</m:t>
+                              </m:r>
+                            </m:e>
+                          </m:d>
+                        </m:e>
+                      </m:func>
+                      <m:r>
+                        <a:rPr lang="en-GB" b="0" i="1" smtClean="0">
+                          <a:latin typeface="Cambria Math"/>
+                          <a:ea typeface="Cambria Math"/>
+                        </a:rPr>
+                        <m:t>)</m:t>
+                      </m:r>
+                    </m:oMath>
+                  </m:oMathPara>
+                </a14:m>
+                <a:endParaRPr lang="en-GB" b="0" i="1" dirty="0" smtClean="0">
+                  <a:latin typeface="Cambria Math"/>
+                </a:endParaRPr>
+              </a:p>
+              <a:p>
+                <a:endParaRPr lang="en-GB" b="0" i="1" dirty="0" smtClean="0">
+                  <a:latin typeface="Cambria Math"/>
+                </a:endParaRPr>
+              </a:p>
+            </p:txBody>
+          </p:sp>
+        </mc:Choice>
+        <mc:Fallback>
+          <p:sp>
+            <p:nvSpPr>
+              <p:cNvPr id="2" name="ZoneTexte 1"/>
+              <p:cNvSpPr txBox="1">
+                <a:spLocks noRot="1" noChangeAspect="1" noMove="1" noResize="1" noEditPoints="1" noAdjustHandles="1" noChangeArrowheads="1" noChangeShapeType="1" noTextEdit="1"/>
+              </p:cNvSpPr>
+              <p:nvPr/>
+            </p:nvSpPr>
+            <p:spPr>
+              <a:xfrm>
+                <a:off x="2267744" y="4941168"/>
+                <a:ext cx="4848828" cy="991682"/>
+              </a:xfrm>
+              <a:prstGeom prst="rect">
+                <a:avLst/>
+              </a:prstGeom>
+              <a:blipFill rotWithShape="1">
+                <a:blip r:embed="rId2"/>
+                <a:stretch>
+                  <a:fillRect/>
+                </a:stretch>
+              </a:blipFill>
+            </p:spPr>
+            <p:txBody>
+              <a:bodyPr/>
+              <a:lstStyle/>
+              <a:p>
+                <a:r>
+                  <a:rPr lang="fr-CH">
+                    <a:noFill/>
+                  </a:rPr>
+                  <a:t> </a:t>
+                </a:r>
+              </a:p>
+            </p:txBody>
+          </p:sp>
+        </mc:Fallback>
+      </mc:AlternateContent>
     </p:spTree>
     <p:extLst>
       <p:ext uri="{BB962C8B-B14F-4D97-AF65-F5344CB8AC3E}">
